--- a/figures.pptx
+++ b/figures.pptx
@@ -4,11 +4,16 @@
   <p:sldMasterIdLst>
     <p:sldMasterId id="2147483648" r:id="rId1"/>
   </p:sldMasterIdLst>
+  <p:notesMasterIdLst>
+    <p:notesMasterId r:id="rId8"/>
+  </p:notesMasterIdLst>
   <p:sldIdLst>
     <p:sldId id="256" r:id="rId2"/>
     <p:sldId id="257" r:id="rId3"/>
     <p:sldId id="258" r:id="rId4"/>
-    <p:sldId id="259" r:id="rId5"/>
+    <p:sldId id="260" r:id="rId5"/>
+    <p:sldId id="261" r:id="rId6"/>
+    <p:sldId id="259" r:id="rId7"/>
   </p:sldIdLst>
   <p:sldSz cx="12192000" cy="6858000"/>
   <p:notesSz cx="6858000" cy="9144000"/>
@@ -107,6 +112,11 @@
       </a:defRPr>
     </a:lvl9pPr>
   </p:defaultTextStyle>
+  <p:extLst>
+    <p:ext uri="{EFAFB233-063F-42B5-8137-9DF3F51BA10A}">
+      <p15:sldGuideLst xmlns:p15="http://schemas.microsoft.com/office/powerpoint/2012/main"/>
+    </p:ext>
+  </p:extLst>
 </p:presentation>
 </file>
 
@@ -1337,6 +1347,1238 @@
       <c:layout/>
       <c:barChart>
         <c:barDir val="col"/>
+        <c:grouping val="clustered"/>
+        <c:varyColors val="0"/>
+        <c:ser>
+          <c:idx val="0"/>
+          <c:order val="0"/>
+          <c:tx>
+            <c:strRef>
+              <c:f>'Medication overview'!$G$19</c:f>
+              <c:strCache>
+                <c:ptCount val="1"/>
+                <c:pt idx="0">
+                  <c:v>Hydrocortisone</c:v>
+                </c:pt>
+              </c:strCache>
+            </c:strRef>
+          </c:tx>
+          <c:spPr>
+            <a:solidFill>
+              <a:schemeClr val="accent1"/>
+            </a:solidFill>
+            <a:ln>
+              <a:noFill/>
+            </a:ln>
+            <a:effectLst/>
+          </c:spPr>
+          <c:invertIfNegative val="0"/>
+          <c:dLbls>
+            <c:spPr>
+              <a:noFill/>
+              <a:ln>
+                <a:noFill/>
+              </a:ln>
+              <a:effectLst/>
+            </c:spPr>
+            <c:txPr>
+              <a:bodyPr rot="0" spcFirstLastPara="1" vertOverflow="ellipsis" vert="horz" wrap="square" anchor="ctr" anchorCtr="1"/>
+              <a:lstStyle/>
+              <a:p>
+                <a:pPr>
+                  <a:defRPr sz="1800" b="0" i="0" u="none" strike="noStrike" kern="1200" baseline="0">
+                    <a:solidFill>
+                      <a:schemeClr val="tx1">
+                        <a:lumMod val="75000"/>
+                        <a:lumOff val="25000"/>
+                      </a:schemeClr>
+                    </a:solidFill>
+                    <a:latin typeface="+mn-lt"/>
+                    <a:ea typeface="+mn-ea"/>
+                    <a:cs typeface="+mn-cs"/>
+                  </a:defRPr>
+                </a:pPr>
+                <a:endParaRPr lang="en-US"/>
+              </a:p>
+            </c:txPr>
+            <c:showLegendKey val="0"/>
+            <c:showVal val="1"/>
+            <c:showCatName val="0"/>
+            <c:showSerName val="0"/>
+            <c:showPercent val="0"/>
+            <c:showBubbleSize val="0"/>
+            <c:showLeaderLines val="0"/>
+            <c:extLst>
+              <c:ext xmlns:c15="http://schemas.microsoft.com/office/drawing/2012/chart" uri="{CE6537A1-D6FC-4f65-9D91-7224C49458BB}">
+                <c15:showLeaderLines val="1"/>
+                <c15:leaderLines>
+                  <c:spPr>
+                    <a:ln w="9525" cap="flat" cmpd="sng" algn="ctr">
+                      <a:solidFill>
+                        <a:schemeClr val="tx1">
+                          <a:lumMod val="35000"/>
+                          <a:lumOff val="65000"/>
+                        </a:schemeClr>
+                      </a:solidFill>
+                      <a:round/>
+                    </a:ln>
+                    <a:effectLst/>
+                  </c:spPr>
+                </c15:leaderLines>
+              </c:ext>
+            </c:extLst>
+          </c:dLbls>
+          <c:cat>
+            <c:strRef>
+              <c:f>'Medication overview'!$H$18:$I$18</c:f>
+              <c:strCache>
+                <c:ptCount val="2"/>
+                <c:pt idx="0">
+                  <c:v>Last 12m</c:v>
+                </c:pt>
+                <c:pt idx="1">
+                  <c:v>1-5 years</c:v>
+                </c:pt>
+              </c:strCache>
+            </c:strRef>
+          </c:cat>
+          <c:val>
+            <c:numRef>
+              <c:f>'Medication overview'!$H$19:$I$19</c:f>
+              <c:numCache>
+                <c:formatCode>0.0%</c:formatCode>
+                <c:ptCount val="2"/>
+                <c:pt idx="0">
+                  <c:v>0.45378151260504201</c:v>
+                </c:pt>
+                <c:pt idx="1">
+                  <c:v>0.36015325670498083</c:v>
+                </c:pt>
+              </c:numCache>
+            </c:numRef>
+          </c:val>
+          <c:extLst>
+            <c:ext xmlns:c16="http://schemas.microsoft.com/office/drawing/2014/chart" uri="{C3380CC4-5D6E-409C-BE32-E72D297353CC}">
+              <c16:uniqueId val="{00000000-F9AE-451E-8CE4-C3CC7FFAB339}"/>
+            </c:ext>
+          </c:extLst>
+        </c:ser>
+        <c:ser>
+          <c:idx val="1"/>
+          <c:order val="1"/>
+          <c:tx>
+            <c:strRef>
+              <c:f>'Medication overview'!$G$20</c:f>
+              <c:strCache>
+                <c:ptCount val="1"/>
+                <c:pt idx="0">
+                  <c:v>Prednisolone</c:v>
+                </c:pt>
+              </c:strCache>
+            </c:strRef>
+          </c:tx>
+          <c:spPr>
+            <a:solidFill>
+              <a:schemeClr val="accent2"/>
+            </a:solidFill>
+            <a:ln>
+              <a:noFill/>
+            </a:ln>
+            <a:effectLst/>
+          </c:spPr>
+          <c:invertIfNegative val="0"/>
+          <c:dLbls>
+            <c:spPr>
+              <a:noFill/>
+              <a:ln>
+                <a:noFill/>
+              </a:ln>
+              <a:effectLst/>
+            </c:spPr>
+            <c:txPr>
+              <a:bodyPr rot="0" spcFirstLastPara="1" vertOverflow="ellipsis" vert="horz" wrap="square" anchor="ctr" anchorCtr="1"/>
+              <a:lstStyle/>
+              <a:p>
+                <a:pPr>
+                  <a:defRPr sz="1800" b="0" i="0" u="none" strike="noStrike" kern="1200" baseline="0">
+                    <a:solidFill>
+                      <a:schemeClr val="tx1">
+                        <a:lumMod val="75000"/>
+                        <a:lumOff val="25000"/>
+                      </a:schemeClr>
+                    </a:solidFill>
+                    <a:latin typeface="+mn-lt"/>
+                    <a:ea typeface="+mn-ea"/>
+                    <a:cs typeface="+mn-cs"/>
+                  </a:defRPr>
+                </a:pPr>
+                <a:endParaRPr lang="en-US"/>
+              </a:p>
+            </c:txPr>
+            <c:showLegendKey val="0"/>
+            <c:showVal val="1"/>
+            <c:showCatName val="0"/>
+            <c:showSerName val="0"/>
+            <c:showPercent val="0"/>
+            <c:showBubbleSize val="0"/>
+            <c:showLeaderLines val="0"/>
+            <c:extLst>
+              <c:ext xmlns:c15="http://schemas.microsoft.com/office/drawing/2012/chart" uri="{CE6537A1-D6FC-4f65-9D91-7224C49458BB}">
+                <c15:showLeaderLines val="1"/>
+                <c15:leaderLines>
+                  <c:spPr>
+                    <a:ln w="9525" cap="flat" cmpd="sng" algn="ctr">
+                      <a:solidFill>
+                        <a:schemeClr val="tx1">
+                          <a:lumMod val="35000"/>
+                          <a:lumOff val="65000"/>
+                        </a:schemeClr>
+                      </a:solidFill>
+                      <a:round/>
+                    </a:ln>
+                    <a:effectLst/>
+                  </c:spPr>
+                </c15:leaderLines>
+              </c:ext>
+            </c:extLst>
+          </c:dLbls>
+          <c:cat>
+            <c:strRef>
+              <c:f>'Medication overview'!$H$18:$I$18</c:f>
+              <c:strCache>
+                <c:ptCount val="2"/>
+                <c:pt idx="0">
+                  <c:v>Last 12m</c:v>
+                </c:pt>
+                <c:pt idx="1">
+                  <c:v>1-5 years</c:v>
+                </c:pt>
+              </c:strCache>
+            </c:strRef>
+          </c:cat>
+          <c:val>
+            <c:numRef>
+              <c:f>'Medication overview'!$H$20:$I$20</c:f>
+              <c:numCache>
+                <c:formatCode>0.0%</c:formatCode>
+                <c:ptCount val="2"/>
+                <c:pt idx="0">
+                  <c:v>0.52941176470588236</c:v>
+                </c:pt>
+                <c:pt idx="1">
+                  <c:v>0.55555555555555558</c:v>
+                </c:pt>
+              </c:numCache>
+            </c:numRef>
+          </c:val>
+          <c:extLst>
+            <c:ext xmlns:c16="http://schemas.microsoft.com/office/drawing/2014/chart" uri="{C3380CC4-5D6E-409C-BE32-E72D297353CC}">
+              <c16:uniqueId val="{00000001-F9AE-451E-8CE4-C3CC7FFAB339}"/>
+            </c:ext>
+          </c:extLst>
+        </c:ser>
+        <c:ser>
+          <c:idx val="2"/>
+          <c:order val="2"/>
+          <c:tx>
+            <c:strRef>
+              <c:f>'Medication overview'!$G$21</c:f>
+              <c:strCache>
+                <c:ptCount val="1"/>
+                <c:pt idx="0">
+                  <c:v>Dexamethasone</c:v>
+                </c:pt>
+              </c:strCache>
+            </c:strRef>
+          </c:tx>
+          <c:spPr>
+            <a:solidFill>
+              <a:schemeClr val="accent3"/>
+            </a:solidFill>
+            <a:ln>
+              <a:noFill/>
+            </a:ln>
+            <a:effectLst/>
+          </c:spPr>
+          <c:invertIfNegative val="0"/>
+          <c:dLbls>
+            <c:spPr>
+              <a:noFill/>
+              <a:ln>
+                <a:noFill/>
+              </a:ln>
+              <a:effectLst/>
+            </c:spPr>
+            <c:txPr>
+              <a:bodyPr rot="0" spcFirstLastPara="1" vertOverflow="ellipsis" vert="horz" wrap="square" anchor="ctr" anchorCtr="1"/>
+              <a:lstStyle/>
+              <a:p>
+                <a:pPr>
+                  <a:defRPr sz="1800" b="0" i="0" u="none" strike="noStrike" kern="1200" baseline="0">
+                    <a:solidFill>
+                      <a:schemeClr val="tx1">
+                        <a:lumMod val="75000"/>
+                        <a:lumOff val="25000"/>
+                      </a:schemeClr>
+                    </a:solidFill>
+                    <a:latin typeface="+mn-lt"/>
+                    <a:ea typeface="+mn-ea"/>
+                    <a:cs typeface="+mn-cs"/>
+                  </a:defRPr>
+                </a:pPr>
+                <a:endParaRPr lang="en-US"/>
+              </a:p>
+            </c:txPr>
+            <c:showLegendKey val="0"/>
+            <c:showVal val="1"/>
+            <c:showCatName val="0"/>
+            <c:showSerName val="0"/>
+            <c:showPercent val="0"/>
+            <c:showBubbleSize val="0"/>
+            <c:showLeaderLines val="0"/>
+            <c:extLst>
+              <c:ext xmlns:c15="http://schemas.microsoft.com/office/drawing/2012/chart" uri="{CE6537A1-D6FC-4f65-9D91-7224C49458BB}">
+                <c15:showLeaderLines val="1"/>
+                <c15:leaderLines>
+                  <c:spPr>
+                    <a:ln w="9525" cap="flat" cmpd="sng" algn="ctr">
+                      <a:solidFill>
+                        <a:schemeClr val="tx1">
+                          <a:lumMod val="35000"/>
+                          <a:lumOff val="65000"/>
+                        </a:schemeClr>
+                      </a:solidFill>
+                      <a:round/>
+                    </a:ln>
+                    <a:effectLst/>
+                  </c:spPr>
+                </c15:leaderLines>
+              </c:ext>
+            </c:extLst>
+          </c:dLbls>
+          <c:cat>
+            <c:strRef>
+              <c:f>'Medication overview'!$H$18:$I$18</c:f>
+              <c:strCache>
+                <c:ptCount val="2"/>
+                <c:pt idx="0">
+                  <c:v>Last 12m</c:v>
+                </c:pt>
+                <c:pt idx="1">
+                  <c:v>1-5 years</c:v>
+                </c:pt>
+              </c:strCache>
+            </c:strRef>
+          </c:cat>
+          <c:val>
+            <c:numRef>
+              <c:f>'Medication overview'!$H$21:$I$21</c:f>
+              <c:numCache>
+                <c:formatCode>0.0%</c:formatCode>
+                <c:ptCount val="2"/>
+                <c:pt idx="0">
+                  <c:v>1.680672268907563E-2</c:v>
+                </c:pt>
+                <c:pt idx="1">
+                  <c:v>2.681992337164751E-2</c:v>
+                </c:pt>
+              </c:numCache>
+            </c:numRef>
+          </c:val>
+          <c:extLst>
+            <c:ext xmlns:c16="http://schemas.microsoft.com/office/drawing/2014/chart" uri="{C3380CC4-5D6E-409C-BE32-E72D297353CC}">
+              <c16:uniqueId val="{00000002-F9AE-451E-8CE4-C3CC7FFAB339}"/>
+            </c:ext>
+          </c:extLst>
+        </c:ser>
+        <c:ser>
+          <c:idx val="3"/>
+          <c:order val="3"/>
+          <c:tx>
+            <c:strRef>
+              <c:f>'Medication overview'!$G$22</c:f>
+              <c:strCache>
+                <c:ptCount val="1"/>
+                <c:pt idx="0">
+                  <c:v>Combination</c:v>
+                </c:pt>
+              </c:strCache>
+            </c:strRef>
+          </c:tx>
+          <c:spPr>
+            <a:solidFill>
+              <a:srgbClr val="FF0000"/>
+            </a:solidFill>
+            <a:ln>
+              <a:noFill/>
+            </a:ln>
+            <a:effectLst/>
+          </c:spPr>
+          <c:invertIfNegative val="0"/>
+          <c:dLbls>
+            <c:spPr>
+              <a:noFill/>
+              <a:ln>
+                <a:noFill/>
+              </a:ln>
+              <a:effectLst/>
+            </c:spPr>
+            <c:txPr>
+              <a:bodyPr rot="0" spcFirstLastPara="1" vertOverflow="ellipsis" vert="horz" wrap="square" anchor="ctr" anchorCtr="1"/>
+              <a:lstStyle/>
+              <a:p>
+                <a:pPr>
+                  <a:defRPr sz="1800" b="0" i="0" u="none" strike="noStrike" kern="1200" baseline="0">
+                    <a:solidFill>
+                      <a:schemeClr val="tx1">
+                        <a:lumMod val="75000"/>
+                        <a:lumOff val="25000"/>
+                      </a:schemeClr>
+                    </a:solidFill>
+                    <a:latin typeface="+mn-lt"/>
+                    <a:ea typeface="+mn-ea"/>
+                    <a:cs typeface="+mn-cs"/>
+                  </a:defRPr>
+                </a:pPr>
+                <a:endParaRPr lang="en-US"/>
+              </a:p>
+            </c:txPr>
+            <c:dLblPos val="outEnd"/>
+            <c:showLegendKey val="0"/>
+            <c:showVal val="1"/>
+            <c:showCatName val="0"/>
+            <c:showSerName val="0"/>
+            <c:showPercent val="0"/>
+            <c:showBubbleSize val="0"/>
+            <c:showLeaderLines val="0"/>
+            <c:extLst>
+              <c:ext xmlns:c15="http://schemas.microsoft.com/office/drawing/2012/chart" uri="{CE6537A1-D6FC-4f65-9D91-7224C49458BB}">
+                <c15:showLeaderLines val="1"/>
+                <c15:leaderLines>
+                  <c:spPr>
+                    <a:ln w="9525" cap="flat" cmpd="sng" algn="ctr">
+                      <a:solidFill>
+                        <a:schemeClr val="tx1">
+                          <a:lumMod val="35000"/>
+                          <a:lumOff val="65000"/>
+                        </a:schemeClr>
+                      </a:solidFill>
+                      <a:round/>
+                    </a:ln>
+                    <a:effectLst/>
+                  </c:spPr>
+                </c15:leaderLines>
+              </c:ext>
+            </c:extLst>
+          </c:dLbls>
+          <c:cat>
+            <c:strRef>
+              <c:f>'Medication overview'!$H$18:$I$18</c:f>
+              <c:strCache>
+                <c:ptCount val="2"/>
+                <c:pt idx="0">
+                  <c:v>Last 12m</c:v>
+                </c:pt>
+                <c:pt idx="1">
+                  <c:v>1-5 years</c:v>
+                </c:pt>
+              </c:strCache>
+            </c:strRef>
+          </c:cat>
+          <c:val>
+            <c:numRef>
+              <c:f>'Medication overview'!$H$22:$I$22</c:f>
+              <c:numCache>
+                <c:formatCode>0.0%</c:formatCode>
+                <c:ptCount val="2"/>
+                <c:pt idx="0">
+                  <c:v>0</c:v>
+                </c:pt>
+                <c:pt idx="1">
+                  <c:v>4.9808429118773943E-2</c:v>
+                </c:pt>
+              </c:numCache>
+            </c:numRef>
+          </c:val>
+          <c:extLst>
+            <c:ext xmlns:c16="http://schemas.microsoft.com/office/drawing/2014/chart" uri="{C3380CC4-5D6E-409C-BE32-E72D297353CC}">
+              <c16:uniqueId val="{00000003-F9AE-451E-8CE4-C3CC7FFAB339}"/>
+            </c:ext>
+          </c:extLst>
+        </c:ser>
+        <c:dLbls>
+          <c:showLegendKey val="0"/>
+          <c:showVal val="0"/>
+          <c:showCatName val="0"/>
+          <c:showSerName val="0"/>
+          <c:showPercent val="0"/>
+          <c:showBubbleSize val="0"/>
+        </c:dLbls>
+        <c:gapWidth val="42"/>
+        <c:axId val="1159519343"/>
+        <c:axId val="1159380271"/>
+      </c:barChart>
+      <c:catAx>
+        <c:axId val="1159519343"/>
+        <c:scaling>
+          <c:orientation val="minMax"/>
+        </c:scaling>
+        <c:delete val="0"/>
+        <c:axPos val="b"/>
+        <c:numFmt formatCode="General" sourceLinked="1"/>
+        <c:majorTickMark val="none"/>
+        <c:minorTickMark val="none"/>
+        <c:tickLblPos val="nextTo"/>
+        <c:spPr>
+          <a:noFill/>
+          <a:ln>
+            <a:noFill/>
+          </a:ln>
+          <a:effectLst/>
+        </c:spPr>
+        <c:txPr>
+          <a:bodyPr rot="-60000000" spcFirstLastPara="1" vertOverflow="ellipsis" vert="horz" wrap="square" anchor="ctr" anchorCtr="1"/>
+          <a:lstStyle/>
+          <a:p>
+            <a:pPr>
+              <a:defRPr sz="1800" b="0" i="0" u="none" strike="noStrike" kern="1200" baseline="0">
+                <a:solidFill>
+                  <a:schemeClr val="tx1">
+                    <a:lumMod val="65000"/>
+                    <a:lumOff val="35000"/>
+                  </a:schemeClr>
+                </a:solidFill>
+                <a:latin typeface="+mn-lt"/>
+                <a:ea typeface="+mn-ea"/>
+                <a:cs typeface="+mn-cs"/>
+              </a:defRPr>
+            </a:pPr>
+            <a:endParaRPr lang="en-US"/>
+          </a:p>
+        </c:txPr>
+        <c:crossAx val="1159380271"/>
+        <c:crosses val="autoZero"/>
+        <c:auto val="1"/>
+        <c:lblAlgn val="ctr"/>
+        <c:lblOffset val="100"/>
+        <c:noMultiLvlLbl val="0"/>
+      </c:catAx>
+      <c:valAx>
+        <c:axId val="1159380271"/>
+        <c:scaling>
+          <c:orientation val="minMax"/>
+        </c:scaling>
+        <c:delete val="0"/>
+        <c:axPos val="l"/>
+        <c:majorGridlines>
+          <c:spPr>
+            <a:ln w="9525" cap="flat" cmpd="sng" algn="ctr">
+              <a:solidFill>
+                <a:schemeClr val="tx1">
+                  <a:lumMod val="15000"/>
+                  <a:lumOff val="85000"/>
+                </a:schemeClr>
+              </a:solidFill>
+              <a:round/>
+            </a:ln>
+            <a:effectLst/>
+          </c:spPr>
+        </c:majorGridlines>
+        <c:numFmt formatCode="0%" sourceLinked="0"/>
+        <c:majorTickMark val="none"/>
+        <c:minorTickMark val="none"/>
+        <c:tickLblPos val="nextTo"/>
+        <c:spPr>
+          <a:noFill/>
+          <a:ln>
+            <a:noFill/>
+          </a:ln>
+          <a:effectLst/>
+        </c:spPr>
+        <c:txPr>
+          <a:bodyPr rot="-60000000" spcFirstLastPara="1" vertOverflow="ellipsis" vert="horz" wrap="square" anchor="ctr" anchorCtr="1"/>
+          <a:lstStyle/>
+          <a:p>
+            <a:pPr>
+              <a:defRPr sz="1800" b="0" i="0" u="none" strike="noStrike" kern="1200" baseline="0">
+                <a:solidFill>
+                  <a:schemeClr val="tx1">
+                    <a:lumMod val="65000"/>
+                    <a:lumOff val="35000"/>
+                  </a:schemeClr>
+                </a:solidFill>
+                <a:latin typeface="+mn-lt"/>
+                <a:ea typeface="+mn-ea"/>
+                <a:cs typeface="+mn-cs"/>
+              </a:defRPr>
+            </a:pPr>
+            <a:endParaRPr lang="en-US"/>
+          </a:p>
+        </c:txPr>
+        <c:crossAx val="1159519343"/>
+        <c:crosses val="autoZero"/>
+        <c:crossBetween val="between"/>
+      </c:valAx>
+      <c:spPr>
+        <a:noFill/>
+        <a:ln>
+          <a:noFill/>
+        </a:ln>
+        <a:effectLst/>
+      </c:spPr>
+    </c:plotArea>
+    <c:legend>
+      <c:legendPos val="b"/>
+      <c:overlay val="0"/>
+      <c:spPr>
+        <a:noFill/>
+        <a:ln>
+          <a:noFill/>
+        </a:ln>
+        <a:effectLst/>
+      </c:spPr>
+      <c:txPr>
+        <a:bodyPr rot="0" spcFirstLastPara="1" vertOverflow="ellipsis" vert="horz" wrap="square" anchor="ctr" anchorCtr="1"/>
+        <a:lstStyle/>
+        <a:p>
+          <a:pPr>
+            <a:defRPr sz="1800" b="0" i="0" u="none" strike="noStrike" kern="1200" baseline="0">
+              <a:solidFill>
+                <a:schemeClr val="tx1">
+                  <a:lumMod val="65000"/>
+                  <a:lumOff val="35000"/>
+                </a:schemeClr>
+              </a:solidFill>
+              <a:latin typeface="+mn-lt"/>
+              <a:ea typeface="+mn-ea"/>
+              <a:cs typeface="+mn-cs"/>
+            </a:defRPr>
+          </a:pPr>
+          <a:endParaRPr lang="en-US"/>
+        </a:p>
+      </c:txPr>
+    </c:legend>
+    <c:plotVisOnly val="1"/>
+    <c:dispBlanksAs val="gap"/>
+    <c:extLst>
+      <c:ext xmlns:c16r3="http://schemas.microsoft.com/office/drawing/2017/03/chart" uri="{56B9EC1D-385E-4148-901F-78D8002777C0}">
+        <c16r3:dataDisplayOptions16>
+          <c16r3:dispNaAsBlank val="1"/>
+        </c16r3:dataDisplayOptions16>
+      </c:ext>
+    </c:extLst>
+    <c:showDLblsOverMax val="0"/>
+  </c:chart>
+  <c:spPr>
+    <a:noFill/>
+    <a:ln>
+      <a:noFill/>
+    </a:ln>
+    <a:effectLst/>
+  </c:spPr>
+  <c:txPr>
+    <a:bodyPr/>
+    <a:lstStyle/>
+    <a:p>
+      <a:pPr>
+        <a:defRPr sz="1800"/>
+      </a:pPr>
+      <a:endParaRPr lang="en-US"/>
+    </a:p>
+  </c:txPr>
+  <c:externalData r:id="rId3">
+    <c:autoUpdate val="0"/>
+  </c:externalData>
+</c:chartSpace>
+</file>
+
+<file path=ppt/charts/chart4.xml><?xml version="1.0" encoding="utf-8"?>
+<c:chartSpace xmlns:c="http://schemas.openxmlformats.org/drawingml/2006/chart" xmlns:a="http://schemas.openxmlformats.org/drawingml/2006/main" xmlns:r="http://schemas.openxmlformats.org/officeDocument/2006/relationships" xmlns:c16r2="http://schemas.microsoft.com/office/drawing/2015/06/chart">
+  <c:date1904 val="0"/>
+  <c:lang val="en-US"/>
+  <c:roundedCorners val="0"/>
+  <mc:AlternateContent xmlns:mc="http://schemas.openxmlformats.org/markup-compatibility/2006">
+    <mc:Choice xmlns:c14="http://schemas.microsoft.com/office/drawing/2007/8/2/chart" Requires="c14">
+      <c14:style val="102"/>
+    </mc:Choice>
+    <mc:Fallback>
+      <c:style val="2"/>
+    </mc:Fallback>
+  </mc:AlternateContent>
+  <c:chart>
+    <c:title>
+      <c:tx>
+        <c:rich>
+          <a:bodyPr rot="0" spcFirstLastPara="1" vertOverflow="ellipsis" vert="horz" wrap="square" anchor="ctr" anchorCtr="1"/>
+          <a:lstStyle/>
+          <a:p>
+            <a:pPr>
+              <a:defRPr sz="1680" b="0" i="0" u="none" strike="noStrike" kern="1200" spc="0" baseline="0">
+                <a:solidFill>
+                  <a:schemeClr val="tx1">
+                    <a:lumMod val="65000"/>
+                    <a:lumOff val="35000"/>
+                  </a:schemeClr>
+                </a:solidFill>
+                <a:latin typeface="+mn-lt"/>
+                <a:ea typeface="+mn-ea"/>
+                <a:cs typeface="+mn-cs"/>
+              </a:defRPr>
+            </a:pPr>
+            <a:r>
+              <a:rPr lang="en-GB"/>
+              <a:t>Number of patients on single and combination therapies</a:t>
+            </a:r>
+          </a:p>
+        </c:rich>
+      </c:tx>
+      <c:overlay val="0"/>
+      <c:spPr>
+        <a:noFill/>
+        <a:ln>
+          <a:noFill/>
+        </a:ln>
+        <a:effectLst/>
+      </c:spPr>
+      <c:txPr>
+        <a:bodyPr rot="0" spcFirstLastPara="1" vertOverflow="ellipsis" vert="horz" wrap="square" anchor="ctr" anchorCtr="1"/>
+        <a:lstStyle/>
+        <a:p>
+          <a:pPr>
+            <a:defRPr sz="1680" b="0" i="0" u="none" strike="noStrike" kern="1200" spc="0" baseline="0">
+              <a:solidFill>
+                <a:schemeClr val="tx1">
+                  <a:lumMod val="65000"/>
+                  <a:lumOff val="35000"/>
+                </a:schemeClr>
+              </a:solidFill>
+              <a:latin typeface="+mn-lt"/>
+              <a:ea typeface="+mn-ea"/>
+              <a:cs typeface="+mn-cs"/>
+            </a:defRPr>
+          </a:pPr>
+          <a:endParaRPr lang="en-US"/>
+        </a:p>
+      </c:txPr>
+    </c:title>
+    <c:autoTitleDeleted val="0"/>
+    <c:plotArea>
+      <c:layout/>
+      <c:barChart>
+        <c:barDir val="col"/>
+        <c:grouping val="clustered"/>
+        <c:varyColors val="0"/>
+        <c:ser>
+          <c:idx val="0"/>
+          <c:order val="0"/>
+          <c:tx>
+            <c:strRef>
+              <c:f>'Medication overview'!$G$36</c:f>
+              <c:strCache>
+                <c:ptCount val="1"/>
+                <c:pt idx="0">
+                  <c:v>Single</c:v>
+                </c:pt>
+              </c:strCache>
+            </c:strRef>
+          </c:tx>
+          <c:spPr>
+            <a:solidFill>
+              <a:schemeClr val="accent1"/>
+            </a:solidFill>
+            <a:ln>
+              <a:noFill/>
+            </a:ln>
+            <a:effectLst/>
+          </c:spPr>
+          <c:invertIfNegative val="0"/>
+          <c:dLbls>
+            <c:spPr>
+              <a:noFill/>
+              <a:ln>
+                <a:noFill/>
+              </a:ln>
+              <a:effectLst/>
+            </c:spPr>
+            <c:txPr>
+              <a:bodyPr rot="0" spcFirstLastPara="1" vertOverflow="ellipsis" vert="horz" wrap="square" lIns="38100" tIns="19050" rIns="38100" bIns="19050" anchor="ctr" anchorCtr="1">
+                <a:spAutoFit/>
+              </a:bodyPr>
+              <a:lstStyle/>
+              <a:p>
+                <a:pPr>
+                  <a:defRPr sz="1400" b="0" i="0" u="none" strike="noStrike" kern="1200" baseline="0">
+                    <a:solidFill>
+                      <a:schemeClr val="tx1">
+                        <a:lumMod val="75000"/>
+                        <a:lumOff val="25000"/>
+                      </a:schemeClr>
+                    </a:solidFill>
+                    <a:latin typeface="+mn-lt"/>
+                    <a:ea typeface="+mn-ea"/>
+                    <a:cs typeface="+mn-cs"/>
+                  </a:defRPr>
+                </a:pPr>
+                <a:endParaRPr lang="en-US"/>
+              </a:p>
+            </c:txPr>
+            <c:dLblPos val="outEnd"/>
+            <c:showLegendKey val="0"/>
+            <c:showVal val="1"/>
+            <c:showCatName val="0"/>
+            <c:showSerName val="0"/>
+            <c:showPercent val="0"/>
+            <c:showBubbleSize val="0"/>
+            <c:showLeaderLines val="0"/>
+            <c:extLst>
+              <c:ext xmlns:c15="http://schemas.microsoft.com/office/drawing/2012/chart" uri="{CE6537A1-D6FC-4f65-9D91-7224C49458BB}">
+                <c15:showLeaderLines val="1"/>
+                <c15:leaderLines>
+                  <c:spPr>
+                    <a:ln w="9525" cap="flat" cmpd="sng" algn="ctr">
+                      <a:solidFill>
+                        <a:schemeClr val="tx1">
+                          <a:lumMod val="35000"/>
+                          <a:lumOff val="65000"/>
+                        </a:schemeClr>
+                      </a:solidFill>
+                      <a:round/>
+                    </a:ln>
+                    <a:effectLst/>
+                  </c:spPr>
+                </c15:leaderLines>
+              </c:ext>
+            </c:extLst>
+          </c:dLbls>
+          <c:cat>
+            <c:strRef>
+              <c:f>'Medication overview'!$H$35:$I$35</c:f>
+              <c:strCache>
+                <c:ptCount val="2"/>
+                <c:pt idx="0">
+                  <c:v>Last 12m</c:v>
+                </c:pt>
+                <c:pt idx="1">
+                  <c:v>1-5 years</c:v>
+                </c:pt>
+              </c:strCache>
+            </c:strRef>
+          </c:cat>
+          <c:val>
+            <c:numRef>
+              <c:f>'Medication overview'!$H$36:$I$36</c:f>
+              <c:numCache>
+                <c:formatCode>0.0%</c:formatCode>
+                <c:ptCount val="2"/>
+                <c:pt idx="0">
+                  <c:v>0.84444444444444444</c:v>
+                </c:pt>
+                <c:pt idx="1">
+                  <c:v>0.94799999999999995</c:v>
+                </c:pt>
+              </c:numCache>
+            </c:numRef>
+          </c:val>
+          <c:extLst>
+            <c:ext xmlns:c16="http://schemas.microsoft.com/office/drawing/2014/chart" uri="{C3380CC4-5D6E-409C-BE32-E72D297353CC}">
+              <c16:uniqueId val="{00000000-7167-4DA6-AE18-057C70217DCB}"/>
+            </c:ext>
+          </c:extLst>
+        </c:ser>
+        <c:ser>
+          <c:idx val="1"/>
+          <c:order val="1"/>
+          <c:tx>
+            <c:strRef>
+              <c:f>'Medication overview'!$G$37</c:f>
+              <c:strCache>
+                <c:ptCount val="1"/>
+                <c:pt idx="0">
+                  <c:v>Combination</c:v>
+                </c:pt>
+              </c:strCache>
+            </c:strRef>
+          </c:tx>
+          <c:spPr>
+            <a:solidFill>
+              <a:schemeClr val="accent2"/>
+            </a:solidFill>
+            <a:ln>
+              <a:noFill/>
+            </a:ln>
+            <a:effectLst/>
+          </c:spPr>
+          <c:invertIfNegative val="0"/>
+          <c:dLbls>
+            <c:spPr>
+              <a:noFill/>
+              <a:ln>
+                <a:noFill/>
+              </a:ln>
+              <a:effectLst/>
+            </c:spPr>
+            <c:txPr>
+              <a:bodyPr rot="0" spcFirstLastPara="1" vertOverflow="ellipsis" vert="horz" wrap="square" lIns="38100" tIns="19050" rIns="38100" bIns="19050" anchor="ctr" anchorCtr="1">
+                <a:spAutoFit/>
+              </a:bodyPr>
+              <a:lstStyle/>
+              <a:p>
+                <a:pPr>
+                  <a:defRPr sz="1400" b="0" i="0" u="none" strike="noStrike" kern="1200" baseline="0">
+                    <a:solidFill>
+                      <a:schemeClr val="tx1">
+                        <a:lumMod val="75000"/>
+                        <a:lumOff val="25000"/>
+                      </a:schemeClr>
+                    </a:solidFill>
+                    <a:latin typeface="+mn-lt"/>
+                    <a:ea typeface="+mn-ea"/>
+                    <a:cs typeface="+mn-cs"/>
+                  </a:defRPr>
+                </a:pPr>
+                <a:endParaRPr lang="en-US"/>
+              </a:p>
+            </c:txPr>
+            <c:dLblPos val="outEnd"/>
+            <c:showLegendKey val="0"/>
+            <c:showVal val="1"/>
+            <c:showCatName val="0"/>
+            <c:showSerName val="0"/>
+            <c:showPercent val="0"/>
+            <c:showBubbleSize val="0"/>
+            <c:showLeaderLines val="0"/>
+            <c:extLst>
+              <c:ext xmlns:c15="http://schemas.microsoft.com/office/drawing/2012/chart" uri="{CE6537A1-D6FC-4f65-9D91-7224C49458BB}">
+                <c15:showLeaderLines val="1"/>
+                <c15:leaderLines>
+                  <c:spPr>
+                    <a:ln w="9525" cap="flat" cmpd="sng" algn="ctr">
+                      <a:solidFill>
+                        <a:schemeClr val="tx1">
+                          <a:lumMod val="35000"/>
+                          <a:lumOff val="65000"/>
+                        </a:schemeClr>
+                      </a:solidFill>
+                      <a:round/>
+                    </a:ln>
+                    <a:effectLst/>
+                  </c:spPr>
+                </c15:leaderLines>
+              </c:ext>
+            </c:extLst>
+          </c:dLbls>
+          <c:cat>
+            <c:strRef>
+              <c:f>'Medication overview'!$H$35:$I$35</c:f>
+              <c:strCache>
+                <c:ptCount val="2"/>
+                <c:pt idx="0">
+                  <c:v>Last 12m</c:v>
+                </c:pt>
+                <c:pt idx="1">
+                  <c:v>1-5 years</c:v>
+                </c:pt>
+              </c:strCache>
+            </c:strRef>
+          </c:cat>
+          <c:val>
+            <c:numRef>
+              <c:f>'Medication overview'!$H$37:$I$37</c:f>
+              <c:numCache>
+                <c:formatCode>0.0%</c:formatCode>
+                <c:ptCount val="2"/>
+                <c:pt idx="0">
+                  <c:v>0.15555555555555556</c:v>
+                </c:pt>
+                <c:pt idx="1">
+                  <c:v>5.1999999999999998E-2</c:v>
+                </c:pt>
+              </c:numCache>
+            </c:numRef>
+          </c:val>
+          <c:extLst>
+            <c:ext xmlns:c16="http://schemas.microsoft.com/office/drawing/2014/chart" uri="{C3380CC4-5D6E-409C-BE32-E72D297353CC}">
+              <c16:uniqueId val="{00000001-7167-4DA6-AE18-057C70217DCB}"/>
+            </c:ext>
+          </c:extLst>
+        </c:ser>
+        <c:dLbls>
+          <c:dLblPos val="outEnd"/>
+          <c:showLegendKey val="0"/>
+          <c:showVal val="1"/>
+          <c:showCatName val="0"/>
+          <c:showSerName val="0"/>
+          <c:showPercent val="0"/>
+          <c:showBubbleSize val="0"/>
+        </c:dLbls>
+        <c:gapWidth val="76"/>
+        <c:axId val="364470143"/>
+        <c:axId val="364454783"/>
+      </c:barChart>
+      <c:catAx>
+        <c:axId val="364470143"/>
+        <c:scaling>
+          <c:orientation val="minMax"/>
+        </c:scaling>
+        <c:delete val="0"/>
+        <c:axPos val="b"/>
+        <c:numFmt formatCode="General" sourceLinked="1"/>
+        <c:majorTickMark val="none"/>
+        <c:minorTickMark val="none"/>
+        <c:tickLblPos val="nextTo"/>
+        <c:spPr>
+          <a:noFill/>
+          <a:ln w="9525" cap="flat" cmpd="sng" algn="ctr">
+            <a:solidFill>
+              <a:schemeClr val="tx1">
+                <a:lumMod val="15000"/>
+                <a:lumOff val="85000"/>
+              </a:schemeClr>
+            </a:solidFill>
+            <a:round/>
+          </a:ln>
+          <a:effectLst/>
+        </c:spPr>
+        <c:txPr>
+          <a:bodyPr rot="-60000000" spcFirstLastPara="1" vertOverflow="ellipsis" vert="horz" wrap="square" anchor="ctr" anchorCtr="1"/>
+          <a:lstStyle/>
+          <a:p>
+            <a:pPr>
+              <a:defRPr sz="1400" b="0" i="0" u="none" strike="noStrike" kern="1200" baseline="0">
+                <a:solidFill>
+                  <a:schemeClr val="tx1">
+                    <a:lumMod val="65000"/>
+                    <a:lumOff val="35000"/>
+                  </a:schemeClr>
+                </a:solidFill>
+                <a:latin typeface="+mn-lt"/>
+                <a:ea typeface="+mn-ea"/>
+                <a:cs typeface="+mn-cs"/>
+              </a:defRPr>
+            </a:pPr>
+            <a:endParaRPr lang="en-US"/>
+          </a:p>
+        </c:txPr>
+        <c:crossAx val="364454783"/>
+        <c:crosses val="autoZero"/>
+        <c:auto val="1"/>
+        <c:lblAlgn val="ctr"/>
+        <c:lblOffset val="100"/>
+        <c:noMultiLvlLbl val="0"/>
+      </c:catAx>
+      <c:valAx>
+        <c:axId val="364454783"/>
+        <c:scaling>
+          <c:orientation val="minMax"/>
+        </c:scaling>
+        <c:delete val="0"/>
+        <c:axPos val="l"/>
+        <c:majorGridlines>
+          <c:spPr>
+            <a:ln w="9525" cap="flat" cmpd="sng" algn="ctr">
+              <a:solidFill>
+                <a:schemeClr val="tx1">
+                  <a:lumMod val="15000"/>
+                  <a:lumOff val="85000"/>
+                </a:schemeClr>
+              </a:solidFill>
+              <a:round/>
+            </a:ln>
+            <a:effectLst/>
+          </c:spPr>
+        </c:majorGridlines>
+        <c:title>
+          <c:tx>
+            <c:rich>
+              <a:bodyPr rot="-5400000" spcFirstLastPara="1" vertOverflow="ellipsis" vert="horz" wrap="square" anchor="ctr" anchorCtr="1"/>
+              <a:lstStyle/>
+              <a:p>
+                <a:pPr>
+                  <a:defRPr sz="1400" b="0" i="0" u="none" strike="noStrike" kern="1200" baseline="0">
+                    <a:solidFill>
+                      <a:schemeClr val="tx1">
+                        <a:lumMod val="65000"/>
+                        <a:lumOff val="35000"/>
+                      </a:schemeClr>
+                    </a:solidFill>
+                    <a:latin typeface="+mn-lt"/>
+                    <a:ea typeface="+mn-ea"/>
+                    <a:cs typeface="+mn-cs"/>
+                  </a:defRPr>
+                </a:pPr>
+                <a:r>
+                  <a:rPr lang="en-GB"/>
+                  <a:t>Percentage of patients</a:t>
+                </a:r>
+              </a:p>
+            </c:rich>
+          </c:tx>
+          <c:overlay val="0"/>
+          <c:spPr>
+            <a:noFill/>
+            <a:ln>
+              <a:noFill/>
+            </a:ln>
+            <a:effectLst/>
+          </c:spPr>
+          <c:txPr>
+            <a:bodyPr rot="-5400000" spcFirstLastPara="1" vertOverflow="ellipsis" vert="horz" wrap="square" anchor="ctr" anchorCtr="1"/>
+            <a:lstStyle/>
+            <a:p>
+              <a:pPr>
+                <a:defRPr sz="1400" b="0" i="0" u="none" strike="noStrike" kern="1200" baseline="0">
+                  <a:solidFill>
+                    <a:schemeClr val="tx1">
+                      <a:lumMod val="65000"/>
+                      <a:lumOff val="35000"/>
+                    </a:schemeClr>
+                  </a:solidFill>
+                  <a:latin typeface="+mn-lt"/>
+                  <a:ea typeface="+mn-ea"/>
+                  <a:cs typeface="+mn-cs"/>
+                </a:defRPr>
+              </a:pPr>
+              <a:endParaRPr lang="en-US"/>
+            </a:p>
+          </c:txPr>
+        </c:title>
+        <c:numFmt formatCode="0.0%" sourceLinked="1"/>
+        <c:majorTickMark val="none"/>
+        <c:minorTickMark val="none"/>
+        <c:tickLblPos val="nextTo"/>
+        <c:spPr>
+          <a:noFill/>
+          <a:ln>
+            <a:noFill/>
+          </a:ln>
+          <a:effectLst/>
+        </c:spPr>
+        <c:txPr>
+          <a:bodyPr rot="-60000000" spcFirstLastPara="1" vertOverflow="ellipsis" vert="horz" wrap="square" anchor="ctr" anchorCtr="1"/>
+          <a:lstStyle/>
+          <a:p>
+            <a:pPr>
+              <a:defRPr sz="1400" b="0" i="0" u="none" strike="noStrike" kern="1200" baseline="0">
+                <a:solidFill>
+                  <a:schemeClr val="tx1">
+                    <a:lumMod val="65000"/>
+                    <a:lumOff val="35000"/>
+                  </a:schemeClr>
+                </a:solidFill>
+                <a:latin typeface="+mn-lt"/>
+                <a:ea typeface="+mn-ea"/>
+                <a:cs typeface="+mn-cs"/>
+              </a:defRPr>
+            </a:pPr>
+            <a:endParaRPr lang="en-US"/>
+          </a:p>
+        </c:txPr>
+        <c:crossAx val="364470143"/>
+        <c:crosses val="autoZero"/>
+        <c:crossBetween val="between"/>
+      </c:valAx>
+      <c:spPr>
+        <a:noFill/>
+        <a:ln>
+          <a:noFill/>
+        </a:ln>
+        <a:effectLst/>
+      </c:spPr>
+    </c:plotArea>
+    <c:legend>
+      <c:legendPos val="b"/>
+      <c:layout>
+        <c:manualLayout>
+          <c:xMode val="edge"/>
+          <c:yMode val="edge"/>
+          <c:x val="0.44181217322932448"/>
+          <c:y val="0.89532486348572005"/>
+          <c:w val="0.26955068278294808"/>
+          <c:h val="6.6790516407987305E-2"/>
+        </c:manualLayout>
+      </c:layout>
+      <c:overlay val="0"/>
+      <c:spPr>
+        <a:noFill/>
+        <a:ln>
+          <a:noFill/>
+        </a:ln>
+        <a:effectLst/>
+      </c:spPr>
+      <c:txPr>
+        <a:bodyPr rot="0" spcFirstLastPara="1" vertOverflow="ellipsis" vert="horz" wrap="square" anchor="ctr" anchorCtr="1"/>
+        <a:lstStyle/>
+        <a:p>
+          <a:pPr>
+            <a:defRPr sz="1400" b="0" i="0" u="none" strike="noStrike" kern="1200" baseline="0">
+              <a:solidFill>
+                <a:schemeClr val="tx1">
+                  <a:lumMod val="65000"/>
+                  <a:lumOff val="35000"/>
+                </a:schemeClr>
+              </a:solidFill>
+              <a:latin typeface="+mn-lt"/>
+              <a:ea typeface="+mn-ea"/>
+              <a:cs typeface="+mn-cs"/>
+            </a:defRPr>
+          </a:pPr>
+          <a:endParaRPr lang="en-US"/>
+        </a:p>
+      </c:txPr>
+    </c:legend>
+    <c:plotVisOnly val="1"/>
+    <c:dispBlanksAs val="gap"/>
+    <c:extLst>
+      <c:ext xmlns:c16r3="http://schemas.microsoft.com/office/drawing/2017/03/chart" uri="{56B9EC1D-385E-4148-901F-78D8002777C0}">
+        <c16r3:dataDisplayOptions16>
+          <c16r3:dispNaAsBlank val="1"/>
+        </c16r3:dataDisplayOptions16>
+      </c:ext>
+    </c:extLst>
+    <c:showDLblsOverMax val="0"/>
+  </c:chart>
+  <c:spPr>
+    <a:noFill/>
+    <a:ln>
+      <a:noFill/>
+    </a:ln>
+    <a:effectLst/>
+  </c:spPr>
+  <c:txPr>
+    <a:bodyPr/>
+    <a:lstStyle/>
+    <a:p>
+      <a:pPr>
+        <a:defRPr sz="1400"/>
+      </a:pPr>
+      <a:endParaRPr lang="en-US"/>
+    </a:p>
+  </c:txPr>
+  <c:externalData r:id="rId3">
+    <c:autoUpdate val="0"/>
+  </c:externalData>
+</c:chartSpace>
+</file>
+
+<file path=ppt/charts/chart5.xml><?xml version="1.0" encoding="utf-8"?>
+<c:chartSpace xmlns:c="http://schemas.openxmlformats.org/drawingml/2006/chart" xmlns:a="http://schemas.openxmlformats.org/drawingml/2006/main" xmlns:r="http://schemas.openxmlformats.org/officeDocument/2006/relationships" xmlns:c16r2="http://schemas.microsoft.com/office/drawing/2015/06/chart">
+  <c:date1904 val="0"/>
+  <c:lang val="en-US"/>
+  <c:roundedCorners val="0"/>
+  <mc:AlternateContent xmlns:mc="http://schemas.openxmlformats.org/markup-compatibility/2006">
+    <mc:Choice xmlns:c14="http://schemas.microsoft.com/office/drawing/2007/8/2/chart" Requires="c14">
+      <c14:style val="102"/>
+    </mc:Choice>
+    <mc:Fallback>
+      <c:style val="2"/>
+    </mc:Fallback>
+  </mc:AlternateContent>
+  <c:chart>
+    <c:autoTitleDeleted val="1"/>
+    <c:plotArea>
+      <c:layout/>
+      <c:barChart>
+        <c:barDir val="col"/>
         <c:grouping val="stacked"/>
         <c:varyColors val="0"/>
         <c:ser>
@@ -1956,6 +3198,86 @@
 </cs:colorStyle>
 </file>
 
+<file path=ppt/charts/colors4.xml><?xml version="1.0" encoding="utf-8"?>
+<cs:colorStyle xmlns:cs="http://schemas.microsoft.com/office/drawing/2012/chartStyle" xmlns:a="http://schemas.openxmlformats.org/drawingml/2006/main" meth="cycle" id="10">
+  <a:schemeClr val="accent1"/>
+  <a:schemeClr val="accent2"/>
+  <a:schemeClr val="accent3"/>
+  <a:schemeClr val="accent4"/>
+  <a:schemeClr val="accent5"/>
+  <a:schemeClr val="accent6"/>
+  <cs:variation/>
+  <cs:variation>
+    <a:lumMod val="60000"/>
+  </cs:variation>
+  <cs:variation>
+    <a:lumMod val="80000"/>
+    <a:lumOff val="20000"/>
+  </cs:variation>
+  <cs:variation>
+    <a:lumMod val="80000"/>
+  </cs:variation>
+  <cs:variation>
+    <a:lumMod val="60000"/>
+    <a:lumOff val="40000"/>
+  </cs:variation>
+  <cs:variation>
+    <a:lumMod val="50000"/>
+  </cs:variation>
+  <cs:variation>
+    <a:lumMod val="70000"/>
+    <a:lumOff val="30000"/>
+  </cs:variation>
+  <cs:variation>
+    <a:lumMod val="70000"/>
+  </cs:variation>
+  <cs:variation>
+    <a:lumMod val="50000"/>
+    <a:lumOff val="50000"/>
+  </cs:variation>
+</cs:colorStyle>
+</file>
+
+<file path=ppt/charts/colors5.xml><?xml version="1.0" encoding="utf-8"?>
+<cs:colorStyle xmlns:cs="http://schemas.microsoft.com/office/drawing/2012/chartStyle" xmlns:a="http://schemas.openxmlformats.org/drawingml/2006/main" meth="cycle" id="10">
+  <a:schemeClr val="accent1"/>
+  <a:schemeClr val="accent2"/>
+  <a:schemeClr val="accent3"/>
+  <a:schemeClr val="accent4"/>
+  <a:schemeClr val="accent5"/>
+  <a:schemeClr val="accent6"/>
+  <cs:variation/>
+  <cs:variation>
+    <a:lumMod val="60000"/>
+  </cs:variation>
+  <cs:variation>
+    <a:lumMod val="80000"/>
+    <a:lumOff val="20000"/>
+  </cs:variation>
+  <cs:variation>
+    <a:lumMod val="80000"/>
+  </cs:variation>
+  <cs:variation>
+    <a:lumMod val="60000"/>
+    <a:lumOff val="40000"/>
+  </cs:variation>
+  <cs:variation>
+    <a:lumMod val="50000"/>
+  </cs:variation>
+  <cs:variation>
+    <a:lumMod val="70000"/>
+    <a:lumOff val="30000"/>
+  </cs:variation>
+  <cs:variation>
+    <a:lumMod val="70000"/>
+  </cs:variation>
+  <cs:variation>
+    <a:lumMod val="50000"/>
+    <a:lumOff val="50000"/>
+  </cs:variation>
+</cs:colorStyle>
+</file>
+
 <file path=ppt/charts/style1.xml><?xml version="1.0" encoding="utf-8"?>
 <cs:chartStyle xmlns:cs="http://schemas.microsoft.com/office/drawing/2012/chartStyle" xmlns:a="http://schemas.openxmlformats.org/drawingml/2006/main" id="201">
   <cs:axisTitle>
@@ -2954,7 +4276,7 @@
 </file>
 
 <file path=ppt/charts/style3.xml><?xml version="1.0" encoding="utf-8"?>
-<cs:chartStyle xmlns:cs="http://schemas.microsoft.com/office/drawing/2012/chartStyle" xmlns:a="http://schemas.openxmlformats.org/drawingml/2006/main" id="201">
+<cs:chartStyle xmlns:cs="http://schemas.microsoft.com/office/drawing/2012/chartStyle" xmlns:a="http://schemas.openxmlformats.org/drawingml/2006/main" id="286">
   <cs:axisTitle>
     <cs:lnRef idx="0"/>
     <cs:fillRef idx="0"/>
@@ -2977,17 +4299,6 @@
         <a:lumOff val="35000"/>
       </a:schemeClr>
     </cs:fontRef>
-    <cs:spPr>
-      <a:ln w="9525" cap="flat" cmpd="sng" algn="ctr">
-        <a:solidFill>
-          <a:schemeClr val="tx1">
-            <a:lumMod val="15000"/>
-            <a:lumOff val="85000"/>
-          </a:schemeClr>
-        </a:solidFill>
-        <a:round/>
-      </a:ln>
-    </cs:spPr>
     <cs:defRPr sz="900" kern="1200"/>
   </cs:categoryAxis>
   <cs:chartArea mods="allowNoFillOverride allowNoLineOverride">
@@ -3158,6 +4469,511 @@
     <cs:fillRef idx="0"/>
     <cs:effectRef idx="0"/>
     <cs:fontRef idx="minor">
+      <a:schemeClr val="tx1"/>
+    </cs:fontRef>
+    <cs:spPr>
+      <a:solidFill>
+        <a:schemeClr val="dk1">
+          <a:lumMod val="75000"/>
+          <a:lumOff val="25000"/>
+        </a:schemeClr>
+      </a:solidFill>
+      <a:ln w="9525" cap="flat" cmpd="sng" algn="ctr">
+        <a:solidFill>
+          <a:schemeClr val="tx1">
+            <a:lumMod val="65000"/>
+            <a:lumOff val="35000"/>
+          </a:schemeClr>
+        </a:solidFill>
+        <a:round/>
+      </a:ln>
+    </cs:spPr>
+  </cs:downBar>
+  <cs:dropLine>
+    <cs:lnRef idx="0"/>
+    <cs:fillRef idx="0"/>
+    <cs:effectRef idx="0"/>
+    <cs:fontRef idx="minor">
+      <a:schemeClr val="tx1"/>
+    </cs:fontRef>
+    <cs:spPr>
+      <a:ln w="9525" cap="flat" cmpd="sng" algn="ctr">
+        <a:solidFill>
+          <a:schemeClr val="tx1">
+            <a:lumMod val="35000"/>
+            <a:lumOff val="65000"/>
+          </a:schemeClr>
+        </a:solidFill>
+        <a:round/>
+      </a:ln>
+    </cs:spPr>
+  </cs:dropLine>
+  <cs:errorBar>
+    <cs:lnRef idx="0"/>
+    <cs:fillRef idx="0"/>
+    <cs:effectRef idx="0"/>
+    <cs:fontRef idx="minor">
+      <a:schemeClr val="tx1"/>
+    </cs:fontRef>
+    <cs:spPr>
+      <a:ln w="9525" cap="flat" cmpd="sng" algn="ctr">
+        <a:solidFill>
+          <a:schemeClr val="tx1">
+            <a:lumMod val="65000"/>
+            <a:lumOff val="35000"/>
+          </a:schemeClr>
+        </a:solidFill>
+        <a:round/>
+      </a:ln>
+    </cs:spPr>
+  </cs:errorBar>
+  <cs:floor>
+    <cs:lnRef idx="0"/>
+    <cs:fillRef idx="0"/>
+    <cs:effectRef idx="0"/>
+    <cs:fontRef idx="minor">
+      <a:schemeClr val="tx1"/>
+    </cs:fontRef>
+    <cs:spPr>
+      <a:noFill/>
+      <a:ln>
+        <a:noFill/>
+      </a:ln>
+    </cs:spPr>
+  </cs:floor>
+  <cs:gridlineMajor>
+    <cs:lnRef idx="0"/>
+    <cs:fillRef idx="0"/>
+    <cs:effectRef idx="0"/>
+    <cs:fontRef idx="minor">
+      <a:schemeClr val="tx1"/>
+    </cs:fontRef>
+    <cs:spPr>
+      <a:ln w="9525" cap="flat" cmpd="sng" algn="ctr">
+        <a:solidFill>
+          <a:schemeClr val="tx1">
+            <a:lumMod val="15000"/>
+            <a:lumOff val="85000"/>
+          </a:schemeClr>
+        </a:solidFill>
+        <a:round/>
+      </a:ln>
+    </cs:spPr>
+  </cs:gridlineMajor>
+  <cs:gridlineMinor>
+    <cs:lnRef idx="0"/>
+    <cs:fillRef idx="0"/>
+    <cs:effectRef idx="0"/>
+    <cs:fontRef idx="minor">
+      <a:schemeClr val="tx1"/>
+    </cs:fontRef>
+    <cs:spPr>
+      <a:ln w="9525" cap="flat" cmpd="sng" algn="ctr">
+        <a:solidFill>
+          <a:schemeClr val="tx1">
+            <a:lumMod val="5000"/>
+            <a:lumOff val="95000"/>
+          </a:schemeClr>
+        </a:solidFill>
+        <a:round/>
+      </a:ln>
+    </cs:spPr>
+  </cs:gridlineMinor>
+  <cs:hiLoLine>
+    <cs:lnRef idx="0"/>
+    <cs:fillRef idx="0"/>
+    <cs:effectRef idx="0"/>
+    <cs:fontRef idx="minor">
+      <a:schemeClr val="tx1"/>
+    </cs:fontRef>
+    <cs:spPr>
+      <a:ln w="9525" cap="flat" cmpd="sng" algn="ctr">
+        <a:solidFill>
+          <a:schemeClr val="tx1">
+            <a:lumMod val="50000"/>
+            <a:lumOff val="50000"/>
+          </a:schemeClr>
+        </a:solidFill>
+        <a:round/>
+      </a:ln>
+    </cs:spPr>
+  </cs:hiLoLine>
+  <cs:leaderLine>
+    <cs:lnRef idx="0"/>
+    <cs:fillRef idx="0"/>
+    <cs:effectRef idx="0"/>
+    <cs:fontRef idx="minor">
+      <a:schemeClr val="tx1"/>
+    </cs:fontRef>
+    <cs:spPr>
+      <a:ln w="9525" cap="flat" cmpd="sng" algn="ctr">
+        <a:solidFill>
+          <a:schemeClr val="tx1">
+            <a:lumMod val="35000"/>
+            <a:lumOff val="65000"/>
+          </a:schemeClr>
+        </a:solidFill>
+        <a:round/>
+      </a:ln>
+    </cs:spPr>
+  </cs:leaderLine>
+  <cs:legend>
+    <cs:lnRef idx="0"/>
+    <cs:fillRef idx="0"/>
+    <cs:effectRef idx="0"/>
+    <cs:fontRef idx="minor">
+      <a:schemeClr val="tx1">
+        <a:lumMod val="65000"/>
+        <a:lumOff val="35000"/>
+      </a:schemeClr>
+    </cs:fontRef>
+    <cs:defRPr sz="900" kern="1200"/>
+  </cs:legend>
+  <cs:plotArea mods="allowNoFillOverride allowNoLineOverride">
+    <cs:lnRef idx="0"/>
+    <cs:fillRef idx="0"/>
+    <cs:effectRef idx="0"/>
+    <cs:fontRef idx="minor">
+      <a:schemeClr val="tx1"/>
+    </cs:fontRef>
+  </cs:plotArea>
+  <cs:plotArea3D mods="allowNoFillOverride allowNoLineOverride">
+    <cs:lnRef idx="0"/>
+    <cs:fillRef idx="0"/>
+    <cs:effectRef idx="0"/>
+    <cs:fontRef idx="minor">
+      <a:schemeClr val="tx1"/>
+    </cs:fontRef>
+  </cs:plotArea3D>
+  <cs:seriesAxis>
+    <cs:lnRef idx="0"/>
+    <cs:fillRef idx="0"/>
+    <cs:effectRef idx="0"/>
+    <cs:fontRef idx="minor">
+      <a:schemeClr val="tx1">
+        <a:lumMod val="65000"/>
+        <a:lumOff val="35000"/>
+      </a:schemeClr>
+    </cs:fontRef>
+    <cs:defRPr sz="900" kern="1200"/>
+  </cs:seriesAxis>
+  <cs:seriesLine>
+    <cs:lnRef idx="0"/>
+    <cs:fillRef idx="0"/>
+    <cs:effectRef idx="0"/>
+    <cs:fontRef idx="minor">
+      <a:schemeClr val="tx1"/>
+    </cs:fontRef>
+    <cs:spPr>
+      <a:ln w="9525" cap="flat" cmpd="sng" algn="ctr">
+        <a:solidFill>
+          <a:schemeClr val="tx1">
+            <a:lumMod val="35000"/>
+            <a:lumOff val="65000"/>
+          </a:schemeClr>
+        </a:solidFill>
+        <a:round/>
+      </a:ln>
+    </cs:spPr>
+  </cs:seriesLine>
+  <cs:title>
+    <cs:lnRef idx="0"/>
+    <cs:fillRef idx="0"/>
+    <cs:effectRef idx="0"/>
+    <cs:fontRef idx="minor">
+      <a:schemeClr val="tx1">
+        <a:lumMod val="65000"/>
+        <a:lumOff val="35000"/>
+      </a:schemeClr>
+    </cs:fontRef>
+    <cs:defRPr sz="1400" b="0" kern="1200" spc="0" baseline="0"/>
+  </cs:title>
+  <cs:trendline>
+    <cs:lnRef idx="0">
+      <cs:styleClr val="auto"/>
+    </cs:lnRef>
+    <cs:fillRef idx="0"/>
+    <cs:effectRef idx="0"/>
+    <cs:fontRef idx="minor">
+      <a:schemeClr val="tx1"/>
+    </cs:fontRef>
+    <cs:spPr>
+      <a:ln w="19050" cap="rnd">
+        <a:solidFill>
+          <a:schemeClr val="phClr"/>
+        </a:solidFill>
+        <a:prstDash val="sysDot"/>
+      </a:ln>
+    </cs:spPr>
+  </cs:trendline>
+  <cs:trendlineLabel>
+    <cs:lnRef idx="0"/>
+    <cs:fillRef idx="0"/>
+    <cs:effectRef idx="0"/>
+    <cs:fontRef idx="minor">
+      <a:schemeClr val="tx1">
+        <a:lumMod val="65000"/>
+        <a:lumOff val="35000"/>
+      </a:schemeClr>
+    </cs:fontRef>
+    <cs:defRPr sz="900" kern="1200"/>
+  </cs:trendlineLabel>
+  <cs:upBar>
+    <cs:lnRef idx="0"/>
+    <cs:fillRef idx="0"/>
+    <cs:effectRef idx="0"/>
+    <cs:fontRef idx="minor">
+      <a:schemeClr val="tx1"/>
+    </cs:fontRef>
+    <cs:spPr>
+      <a:solidFill>
+        <a:schemeClr val="lt1"/>
+      </a:solidFill>
+      <a:ln w="9525" cap="flat" cmpd="sng" algn="ctr">
+        <a:solidFill>
+          <a:schemeClr val="tx1">
+            <a:lumMod val="65000"/>
+            <a:lumOff val="35000"/>
+          </a:schemeClr>
+        </a:solidFill>
+        <a:round/>
+      </a:ln>
+    </cs:spPr>
+  </cs:upBar>
+  <cs:valueAxis>
+    <cs:lnRef idx="0"/>
+    <cs:fillRef idx="0"/>
+    <cs:effectRef idx="0"/>
+    <cs:fontRef idx="minor">
+      <a:schemeClr val="tx1">
+        <a:lumMod val="65000"/>
+        <a:lumOff val="35000"/>
+      </a:schemeClr>
+    </cs:fontRef>
+    <cs:defRPr sz="900" kern="1200"/>
+  </cs:valueAxis>
+  <cs:wall>
+    <cs:lnRef idx="0"/>
+    <cs:fillRef idx="0"/>
+    <cs:effectRef idx="0"/>
+    <cs:fontRef idx="minor">
+      <a:schemeClr val="tx1"/>
+    </cs:fontRef>
+    <cs:spPr>
+      <a:noFill/>
+      <a:ln>
+        <a:noFill/>
+      </a:ln>
+    </cs:spPr>
+  </cs:wall>
+</cs:chartStyle>
+</file>
+
+<file path=ppt/charts/style4.xml><?xml version="1.0" encoding="utf-8"?>
+<cs:chartStyle xmlns:cs="http://schemas.microsoft.com/office/drawing/2012/chartStyle" xmlns:a="http://schemas.openxmlformats.org/drawingml/2006/main" id="201">
+  <cs:axisTitle>
+    <cs:lnRef idx="0"/>
+    <cs:fillRef idx="0"/>
+    <cs:effectRef idx="0"/>
+    <cs:fontRef idx="minor">
+      <a:schemeClr val="tx1">
+        <a:lumMod val="65000"/>
+        <a:lumOff val="35000"/>
+      </a:schemeClr>
+    </cs:fontRef>
+    <cs:defRPr sz="1000" kern="1200"/>
+  </cs:axisTitle>
+  <cs:categoryAxis>
+    <cs:lnRef idx="0"/>
+    <cs:fillRef idx="0"/>
+    <cs:effectRef idx="0"/>
+    <cs:fontRef idx="minor">
+      <a:schemeClr val="tx1">
+        <a:lumMod val="65000"/>
+        <a:lumOff val="35000"/>
+      </a:schemeClr>
+    </cs:fontRef>
+    <cs:spPr>
+      <a:ln w="9525" cap="flat" cmpd="sng" algn="ctr">
+        <a:solidFill>
+          <a:schemeClr val="tx1">
+            <a:lumMod val="15000"/>
+            <a:lumOff val="85000"/>
+          </a:schemeClr>
+        </a:solidFill>
+        <a:round/>
+      </a:ln>
+    </cs:spPr>
+    <cs:defRPr sz="900" kern="1200"/>
+  </cs:categoryAxis>
+  <cs:chartArea mods="allowNoFillOverride allowNoLineOverride">
+    <cs:lnRef idx="0"/>
+    <cs:fillRef idx="0"/>
+    <cs:effectRef idx="0"/>
+    <cs:fontRef idx="minor">
+      <a:schemeClr val="tx1"/>
+    </cs:fontRef>
+    <cs:spPr>
+      <a:solidFill>
+        <a:schemeClr val="bg1"/>
+      </a:solidFill>
+      <a:ln w="9525" cap="flat" cmpd="sng" algn="ctr">
+        <a:solidFill>
+          <a:schemeClr val="tx1">
+            <a:lumMod val="15000"/>
+            <a:lumOff val="85000"/>
+          </a:schemeClr>
+        </a:solidFill>
+        <a:round/>
+      </a:ln>
+    </cs:spPr>
+    <cs:defRPr sz="1000" kern="1200"/>
+  </cs:chartArea>
+  <cs:dataLabel>
+    <cs:lnRef idx="0"/>
+    <cs:fillRef idx="0"/>
+    <cs:effectRef idx="0"/>
+    <cs:fontRef idx="minor">
+      <a:schemeClr val="tx1">
+        <a:lumMod val="75000"/>
+        <a:lumOff val="25000"/>
+      </a:schemeClr>
+    </cs:fontRef>
+    <cs:defRPr sz="900" kern="1200"/>
+  </cs:dataLabel>
+  <cs:dataLabelCallout>
+    <cs:lnRef idx="0"/>
+    <cs:fillRef idx="0"/>
+    <cs:effectRef idx="0"/>
+    <cs:fontRef idx="minor">
+      <a:schemeClr val="dk1">
+        <a:lumMod val="65000"/>
+        <a:lumOff val="35000"/>
+      </a:schemeClr>
+    </cs:fontRef>
+    <cs:spPr>
+      <a:solidFill>
+        <a:schemeClr val="lt1"/>
+      </a:solidFill>
+      <a:ln>
+        <a:solidFill>
+          <a:schemeClr val="dk1">
+            <a:lumMod val="25000"/>
+            <a:lumOff val="75000"/>
+          </a:schemeClr>
+        </a:solidFill>
+      </a:ln>
+    </cs:spPr>
+    <cs:defRPr sz="900" kern="1200"/>
+    <cs:bodyPr rot="0" spcFirstLastPara="1" vertOverflow="clip" horzOverflow="clip" vert="horz" wrap="square" lIns="36576" tIns="18288" rIns="36576" bIns="18288" anchor="ctr" anchorCtr="1">
+      <a:spAutoFit/>
+    </cs:bodyPr>
+  </cs:dataLabelCallout>
+  <cs:dataPoint>
+    <cs:lnRef idx="0"/>
+    <cs:fillRef idx="1">
+      <cs:styleClr val="auto"/>
+    </cs:fillRef>
+    <cs:effectRef idx="0"/>
+    <cs:fontRef idx="minor">
+      <a:schemeClr val="tx1"/>
+    </cs:fontRef>
+  </cs:dataPoint>
+  <cs:dataPoint3D>
+    <cs:lnRef idx="0"/>
+    <cs:fillRef idx="1">
+      <cs:styleClr val="auto"/>
+    </cs:fillRef>
+    <cs:effectRef idx="0"/>
+    <cs:fontRef idx="minor">
+      <a:schemeClr val="tx1"/>
+    </cs:fontRef>
+  </cs:dataPoint3D>
+  <cs:dataPointLine>
+    <cs:lnRef idx="0">
+      <cs:styleClr val="auto"/>
+    </cs:lnRef>
+    <cs:fillRef idx="1"/>
+    <cs:effectRef idx="0"/>
+    <cs:fontRef idx="minor">
+      <a:schemeClr val="tx1"/>
+    </cs:fontRef>
+    <cs:spPr>
+      <a:ln w="28575" cap="rnd">
+        <a:solidFill>
+          <a:schemeClr val="phClr"/>
+        </a:solidFill>
+        <a:round/>
+      </a:ln>
+    </cs:spPr>
+  </cs:dataPointLine>
+  <cs:dataPointMarker>
+    <cs:lnRef idx="0">
+      <cs:styleClr val="auto"/>
+    </cs:lnRef>
+    <cs:fillRef idx="1">
+      <cs:styleClr val="auto"/>
+    </cs:fillRef>
+    <cs:effectRef idx="0"/>
+    <cs:fontRef idx="minor">
+      <a:schemeClr val="tx1"/>
+    </cs:fontRef>
+    <cs:spPr>
+      <a:ln w="9525">
+        <a:solidFill>
+          <a:schemeClr val="phClr"/>
+        </a:solidFill>
+      </a:ln>
+    </cs:spPr>
+  </cs:dataPointMarker>
+  <cs:dataPointMarkerLayout symbol="circle" size="5"/>
+  <cs:dataPointWireframe>
+    <cs:lnRef idx="0">
+      <cs:styleClr val="auto"/>
+    </cs:lnRef>
+    <cs:fillRef idx="1"/>
+    <cs:effectRef idx="0"/>
+    <cs:fontRef idx="minor">
+      <a:schemeClr val="tx1"/>
+    </cs:fontRef>
+    <cs:spPr>
+      <a:ln w="9525" cap="rnd">
+        <a:solidFill>
+          <a:schemeClr val="phClr"/>
+        </a:solidFill>
+        <a:round/>
+      </a:ln>
+    </cs:spPr>
+  </cs:dataPointWireframe>
+  <cs:dataTable>
+    <cs:lnRef idx="0"/>
+    <cs:fillRef idx="0"/>
+    <cs:effectRef idx="0"/>
+    <cs:fontRef idx="minor">
+      <a:schemeClr val="tx1">
+        <a:lumMod val="65000"/>
+        <a:lumOff val="35000"/>
+      </a:schemeClr>
+    </cs:fontRef>
+    <cs:spPr>
+      <a:noFill/>
+      <a:ln w="9525" cap="flat" cmpd="sng" algn="ctr">
+        <a:solidFill>
+          <a:schemeClr val="tx1">
+            <a:lumMod val="15000"/>
+            <a:lumOff val="85000"/>
+          </a:schemeClr>
+        </a:solidFill>
+        <a:round/>
+      </a:ln>
+    </cs:spPr>
+    <cs:defRPr sz="900" kern="1200"/>
+  </cs:dataTable>
+  <cs:downBar>
+    <cs:lnRef idx="0"/>
+    <cs:fillRef idx="0"/>
+    <cs:effectRef idx="0"/>
+    <cs:fontRef idx="minor">
       <a:schemeClr val="dk1"/>
     </cs:fontRef>
     <cs:spPr>
@@ -3454,6 +5270,1036 @@
     </cs:spPr>
   </cs:wall>
 </cs:chartStyle>
+</file>
+
+<file path=ppt/charts/style5.xml><?xml version="1.0" encoding="utf-8"?>
+<cs:chartStyle xmlns:cs="http://schemas.microsoft.com/office/drawing/2012/chartStyle" xmlns:a="http://schemas.openxmlformats.org/drawingml/2006/main" id="201">
+  <cs:axisTitle>
+    <cs:lnRef idx="0"/>
+    <cs:fillRef idx="0"/>
+    <cs:effectRef idx="0"/>
+    <cs:fontRef idx="minor">
+      <a:schemeClr val="tx1">
+        <a:lumMod val="65000"/>
+        <a:lumOff val="35000"/>
+      </a:schemeClr>
+    </cs:fontRef>
+    <cs:defRPr sz="1000" kern="1200"/>
+  </cs:axisTitle>
+  <cs:categoryAxis>
+    <cs:lnRef idx="0"/>
+    <cs:fillRef idx="0"/>
+    <cs:effectRef idx="0"/>
+    <cs:fontRef idx="minor">
+      <a:schemeClr val="tx1">
+        <a:lumMod val="65000"/>
+        <a:lumOff val="35000"/>
+      </a:schemeClr>
+    </cs:fontRef>
+    <cs:spPr>
+      <a:ln w="9525" cap="flat" cmpd="sng" algn="ctr">
+        <a:solidFill>
+          <a:schemeClr val="tx1">
+            <a:lumMod val="15000"/>
+            <a:lumOff val="85000"/>
+          </a:schemeClr>
+        </a:solidFill>
+        <a:round/>
+      </a:ln>
+    </cs:spPr>
+    <cs:defRPr sz="900" kern="1200"/>
+  </cs:categoryAxis>
+  <cs:chartArea mods="allowNoFillOverride allowNoLineOverride">
+    <cs:lnRef idx="0"/>
+    <cs:fillRef idx="0"/>
+    <cs:effectRef idx="0"/>
+    <cs:fontRef idx="minor">
+      <a:schemeClr val="tx1"/>
+    </cs:fontRef>
+    <cs:spPr>
+      <a:solidFill>
+        <a:schemeClr val="bg1"/>
+      </a:solidFill>
+      <a:ln w="9525" cap="flat" cmpd="sng" algn="ctr">
+        <a:solidFill>
+          <a:schemeClr val="tx1">
+            <a:lumMod val="15000"/>
+            <a:lumOff val="85000"/>
+          </a:schemeClr>
+        </a:solidFill>
+        <a:round/>
+      </a:ln>
+    </cs:spPr>
+    <cs:defRPr sz="1000" kern="1200"/>
+  </cs:chartArea>
+  <cs:dataLabel>
+    <cs:lnRef idx="0"/>
+    <cs:fillRef idx="0"/>
+    <cs:effectRef idx="0"/>
+    <cs:fontRef idx="minor">
+      <a:schemeClr val="tx1">
+        <a:lumMod val="75000"/>
+        <a:lumOff val="25000"/>
+      </a:schemeClr>
+    </cs:fontRef>
+    <cs:defRPr sz="900" kern="1200"/>
+  </cs:dataLabel>
+  <cs:dataLabelCallout>
+    <cs:lnRef idx="0"/>
+    <cs:fillRef idx="0"/>
+    <cs:effectRef idx="0"/>
+    <cs:fontRef idx="minor">
+      <a:schemeClr val="dk1">
+        <a:lumMod val="65000"/>
+        <a:lumOff val="35000"/>
+      </a:schemeClr>
+    </cs:fontRef>
+    <cs:spPr>
+      <a:solidFill>
+        <a:schemeClr val="lt1"/>
+      </a:solidFill>
+      <a:ln>
+        <a:solidFill>
+          <a:schemeClr val="dk1">
+            <a:lumMod val="25000"/>
+            <a:lumOff val="75000"/>
+          </a:schemeClr>
+        </a:solidFill>
+      </a:ln>
+    </cs:spPr>
+    <cs:defRPr sz="900" kern="1200"/>
+    <cs:bodyPr rot="0" spcFirstLastPara="1" vertOverflow="clip" horzOverflow="clip" vert="horz" wrap="square" lIns="36576" tIns="18288" rIns="36576" bIns="18288" anchor="ctr" anchorCtr="1">
+      <a:spAutoFit/>
+    </cs:bodyPr>
+  </cs:dataLabelCallout>
+  <cs:dataPoint>
+    <cs:lnRef idx="0"/>
+    <cs:fillRef idx="1">
+      <cs:styleClr val="auto"/>
+    </cs:fillRef>
+    <cs:effectRef idx="0"/>
+    <cs:fontRef idx="minor">
+      <a:schemeClr val="tx1"/>
+    </cs:fontRef>
+  </cs:dataPoint>
+  <cs:dataPoint3D>
+    <cs:lnRef idx="0"/>
+    <cs:fillRef idx="1">
+      <cs:styleClr val="auto"/>
+    </cs:fillRef>
+    <cs:effectRef idx="0"/>
+    <cs:fontRef idx="minor">
+      <a:schemeClr val="tx1"/>
+    </cs:fontRef>
+  </cs:dataPoint3D>
+  <cs:dataPointLine>
+    <cs:lnRef idx="0">
+      <cs:styleClr val="auto"/>
+    </cs:lnRef>
+    <cs:fillRef idx="1"/>
+    <cs:effectRef idx="0"/>
+    <cs:fontRef idx="minor">
+      <a:schemeClr val="tx1"/>
+    </cs:fontRef>
+    <cs:spPr>
+      <a:ln w="28575" cap="rnd">
+        <a:solidFill>
+          <a:schemeClr val="phClr"/>
+        </a:solidFill>
+        <a:round/>
+      </a:ln>
+    </cs:spPr>
+  </cs:dataPointLine>
+  <cs:dataPointMarker>
+    <cs:lnRef idx="0">
+      <cs:styleClr val="auto"/>
+    </cs:lnRef>
+    <cs:fillRef idx="1">
+      <cs:styleClr val="auto"/>
+    </cs:fillRef>
+    <cs:effectRef idx="0"/>
+    <cs:fontRef idx="minor">
+      <a:schemeClr val="tx1"/>
+    </cs:fontRef>
+    <cs:spPr>
+      <a:ln w="9525">
+        <a:solidFill>
+          <a:schemeClr val="phClr"/>
+        </a:solidFill>
+      </a:ln>
+    </cs:spPr>
+  </cs:dataPointMarker>
+  <cs:dataPointMarkerLayout symbol="circle" size="5"/>
+  <cs:dataPointWireframe>
+    <cs:lnRef idx="0">
+      <cs:styleClr val="auto"/>
+    </cs:lnRef>
+    <cs:fillRef idx="1"/>
+    <cs:effectRef idx="0"/>
+    <cs:fontRef idx="minor">
+      <a:schemeClr val="tx1"/>
+    </cs:fontRef>
+    <cs:spPr>
+      <a:ln w="9525" cap="rnd">
+        <a:solidFill>
+          <a:schemeClr val="phClr"/>
+        </a:solidFill>
+        <a:round/>
+      </a:ln>
+    </cs:spPr>
+  </cs:dataPointWireframe>
+  <cs:dataTable>
+    <cs:lnRef idx="0"/>
+    <cs:fillRef idx="0"/>
+    <cs:effectRef idx="0"/>
+    <cs:fontRef idx="minor">
+      <a:schemeClr val="tx1">
+        <a:lumMod val="65000"/>
+        <a:lumOff val="35000"/>
+      </a:schemeClr>
+    </cs:fontRef>
+    <cs:spPr>
+      <a:noFill/>
+      <a:ln w="9525" cap="flat" cmpd="sng" algn="ctr">
+        <a:solidFill>
+          <a:schemeClr val="tx1">
+            <a:lumMod val="15000"/>
+            <a:lumOff val="85000"/>
+          </a:schemeClr>
+        </a:solidFill>
+        <a:round/>
+      </a:ln>
+    </cs:spPr>
+    <cs:defRPr sz="900" kern="1200"/>
+  </cs:dataTable>
+  <cs:downBar>
+    <cs:lnRef idx="0"/>
+    <cs:fillRef idx="0"/>
+    <cs:effectRef idx="0"/>
+    <cs:fontRef idx="minor">
+      <a:schemeClr val="dk1"/>
+    </cs:fontRef>
+    <cs:spPr>
+      <a:solidFill>
+        <a:schemeClr val="dk1">
+          <a:lumMod val="65000"/>
+          <a:lumOff val="35000"/>
+        </a:schemeClr>
+      </a:solidFill>
+      <a:ln w="9525">
+        <a:solidFill>
+          <a:schemeClr val="tx1">
+            <a:lumMod val="65000"/>
+            <a:lumOff val="35000"/>
+          </a:schemeClr>
+        </a:solidFill>
+      </a:ln>
+    </cs:spPr>
+  </cs:downBar>
+  <cs:dropLine>
+    <cs:lnRef idx="0"/>
+    <cs:fillRef idx="0"/>
+    <cs:effectRef idx="0"/>
+    <cs:fontRef idx="minor">
+      <a:schemeClr val="tx1"/>
+    </cs:fontRef>
+    <cs:spPr>
+      <a:ln w="9525" cap="flat" cmpd="sng" algn="ctr">
+        <a:solidFill>
+          <a:schemeClr val="tx1">
+            <a:lumMod val="35000"/>
+            <a:lumOff val="65000"/>
+          </a:schemeClr>
+        </a:solidFill>
+        <a:round/>
+      </a:ln>
+    </cs:spPr>
+  </cs:dropLine>
+  <cs:errorBar>
+    <cs:lnRef idx="0"/>
+    <cs:fillRef idx="0"/>
+    <cs:effectRef idx="0"/>
+    <cs:fontRef idx="minor">
+      <a:schemeClr val="tx1"/>
+    </cs:fontRef>
+    <cs:spPr>
+      <a:ln w="9525" cap="flat" cmpd="sng" algn="ctr">
+        <a:solidFill>
+          <a:schemeClr val="tx1">
+            <a:lumMod val="65000"/>
+            <a:lumOff val="35000"/>
+          </a:schemeClr>
+        </a:solidFill>
+        <a:round/>
+      </a:ln>
+    </cs:spPr>
+  </cs:errorBar>
+  <cs:floor>
+    <cs:lnRef idx="0"/>
+    <cs:fillRef idx="0"/>
+    <cs:effectRef idx="0"/>
+    <cs:fontRef idx="minor">
+      <a:schemeClr val="tx1"/>
+    </cs:fontRef>
+    <cs:spPr>
+      <a:noFill/>
+      <a:ln>
+        <a:noFill/>
+      </a:ln>
+    </cs:spPr>
+  </cs:floor>
+  <cs:gridlineMajor>
+    <cs:lnRef idx="0"/>
+    <cs:fillRef idx="0"/>
+    <cs:effectRef idx="0"/>
+    <cs:fontRef idx="minor">
+      <a:schemeClr val="tx1"/>
+    </cs:fontRef>
+    <cs:spPr>
+      <a:ln w="9525" cap="flat" cmpd="sng" algn="ctr">
+        <a:solidFill>
+          <a:schemeClr val="tx1">
+            <a:lumMod val="15000"/>
+            <a:lumOff val="85000"/>
+          </a:schemeClr>
+        </a:solidFill>
+        <a:round/>
+      </a:ln>
+    </cs:spPr>
+  </cs:gridlineMajor>
+  <cs:gridlineMinor>
+    <cs:lnRef idx="0"/>
+    <cs:fillRef idx="0"/>
+    <cs:effectRef idx="0"/>
+    <cs:fontRef idx="minor">
+      <a:schemeClr val="tx1"/>
+    </cs:fontRef>
+    <cs:spPr>
+      <a:ln w="9525" cap="flat" cmpd="sng" algn="ctr">
+        <a:solidFill>
+          <a:schemeClr val="tx1">
+            <a:lumMod val="5000"/>
+            <a:lumOff val="95000"/>
+          </a:schemeClr>
+        </a:solidFill>
+        <a:round/>
+      </a:ln>
+    </cs:spPr>
+  </cs:gridlineMinor>
+  <cs:hiLoLine>
+    <cs:lnRef idx="0"/>
+    <cs:fillRef idx="0"/>
+    <cs:effectRef idx="0"/>
+    <cs:fontRef idx="minor">
+      <a:schemeClr val="tx1"/>
+    </cs:fontRef>
+    <cs:spPr>
+      <a:ln w="9525" cap="flat" cmpd="sng" algn="ctr">
+        <a:solidFill>
+          <a:schemeClr val="tx1">
+            <a:lumMod val="75000"/>
+            <a:lumOff val="25000"/>
+          </a:schemeClr>
+        </a:solidFill>
+        <a:round/>
+      </a:ln>
+    </cs:spPr>
+  </cs:hiLoLine>
+  <cs:leaderLine>
+    <cs:lnRef idx="0"/>
+    <cs:fillRef idx="0"/>
+    <cs:effectRef idx="0"/>
+    <cs:fontRef idx="minor">
+      <a:schemeClr val="tx1"/>
+    </cs:fontRef>
+    <cs:spPr>
+      <a:ln w="9525" cap="flat" cmpd="sng" algn="ctr">
+        <a:solidFill>
+          <a:schemeClr val="tx1">
+            <a:lumMod val="35000"/>
+            <a:lumOff val="65000"/>
+          </a:schemeClr>
+        </a:solidFill>
+        <a:round/>
+      </a:ln>
+    </cs:spPr>
+  </cs:leaderLine>
+  <cs:legend>
+    <cs:lnRef idx="0"/>
+    <cs:fillRef idx="0"/>
+    <cs:effectRef idx="0"/>
+    <cs:fontRef idx="minor">
+      <a:schemeClr val="tx1">
+        <a:lumMod val="65000"/>
+        <a:lumOff val="35000"/>
+      </a:schemeClr>
+    </cs:fontRef>
+    <cs:defRPr sz="900" kern="1200"/>
+  </cs:legend>
+  <cs:plotArea mods="allowNoFillOverride allowNoLineOverride">
+    <cs:lnRef idx="0"/>
+    <cs:fillRef idx="0"/>
+    <cs:effectRef idx="0"/>
+    <cs:fontRef idx="minor">
+      <a:schemeClr val="tx1"/>
+    </cs:fontRef>
+  </cs:plotArea>
+  <cs:plotArea3D mods="allowNoFillOverride allowNoLineOverride">
+    <cs:lnRef idx="0"/>
+    <cs:fillRef idx="0"/>
+    <cs:effectRef idx="0"/>
+    <cs:fontRef idx="minor">
+      <a:schemeClr val="tx1"/>
+    </cs:fontRef>
+  </cs:plotArea3D>
+  <cs:seriesAxis>
+    <cs:lnRef idx="0"/>
+    <cs:fillRef idx="0"/>
+    <cs:effectRef idx="0"/>
+    <cs:fontRef idx="minor">
+      <a:schemeClr val="tx1">
+        <a:lumMod val="65000"/>
+        <a:lumOff val="35000"/>
+      </a:schemeClr>
+    </cs:fontRef>
+    <cs:defRPr sz="900" kern="1200"/>
+  </cs:seriesAxis>
+  <cs:seriesLine>
+    <cs:lnRef idx="0"/>
+    <cs:fillRef idx="0"/>
+    <cs:effectRef idx="0"/>
+    <cs:fontRef idx="minor">
+      <a:schemeClr val="tx1"/>
+    </cs:fontRef>
+    <cs:spPr>
+      <a:ln w="9525" cap="flat" cmpd="sng" algn="ctr">
+        <a:solidFill>
+          <a:schemeClr val="tx1">
+            <a:lumMod val="35000"/>
+            <a:lumOff val="65000"/>
+          </a:schemeClr>
+        </a:solidFill>
+        <a:round/>
+      </a:ln>
+    </cs:spPr>
+  </cs:seriesLine>
+  <cs:title>
+    <cs:lnRef idx="0"/>
+    <cs:fillRef idx="0"/>
+    <cs:effectRef idx="0"/>
+    <cs:fontRef idx="minor">
+      <a:schemeClr val="tx1">
+        <a:lumMod val="65000"/>
+        <a:lumOff val="35000"/>
+      </a:schemeClr>
+    </cs:fontRef>
+    <cs:defRPr sz="1400" b="0" kern="1200" spc="0" baseline="0"/>
+  </cs:title>
+  <cs:trendline>
+    <cs:lnRef idx="0">
+      <cs:styleClr val="auto"/>
+    </cs:lnRef>
+    <cs:fillRef idx="0"/>
+    <cs:effectRef idx="0"/>
+    <cs:fontRef idx="minor">
+      <a:schemeClr val="tx1"/>
+    </cs:fontRef>
+    <cs:spPr>
+      <a:ln w="19050" cap="rnd">
+        <a:solidFill>
+          <a:schemeClr val="phClr"/>
+        </a:solidFill>
+        <a:prstDash val="sysDot"/>
+      </a:ln>
+    </cs:spPr>
+  </cs:trendline>
+  <cs:trendlineLabel>
+    <cs:lnRef idx="0"/>
+    <cs:fillRef idx="0"/>
+    <cs:effectRef idx="0"/>
+    <cs:fontRef idx="minor">
+      <a:schemeClr val="tx1">
+        <a:lumMod val="65000"/>
+        <a:lumOff val="35000"/>
+      </a:schemeClr>
+    </cs:fontRef>
+    <cs:defRPr sz="900" kern="1200"/>
+  </cs:trendlineLabel>
+  <cs:upBar>
+    <cs:lnRef idx="0"/>
+    <cs:fillRef idx="0"/>
+    <cs:effectRef idx="0"/>
+    <cs:fontRef idx="minor">
+      <a:schemeClr val="dk1"/>
+    </cs:fontRef>
+    <cs:spPr>
+      <a:solidFill>
+        <a:schemeClr val="lt1"/>
+      </a:solidFill>
+      <a:ln w="9525">
+        <a:solidFill>
+          <a:schemeClr val="tx1">
+            <a:lumMod val="15000"/>
+            <a:lumOff val="85000"/>
+          </a:schemeClr>
+        </a:solidFill>
+      </a:ln>
+    </cs:spPr>
+  </cs:upBar>
+  <cs:valueAxis>
+    <cs:lnRef idx="0"/>
+    <cs:fillRef idx="0"/>
+    <cs:effectRef idx="0"/>
+    <cs:fontRef idx="minor">
+      <a:schemeClr val="tx1">
+        <a:lumMod val="65000"/>
+        <a:lumOff val="35000"/>
+      </a:schemeClr>
+    </cs:fontRef>
+    <cs:defRPr sz="900" kern="1200"/>
+  </cs:valueAxis>
+  <cs:wall>
+    <cs:lnRef idx="0"/>
+    <cs:fillRef idx="0"/>
+    <cs:effectRef idx="0"/>
+    <cs:fontRef idx="minor">
+      <a:schemeClr val="tx1"/>
+    </cs:fontRef>
+    <cs:spPr>
+      <a:noFill/>
+      <a:ln>
+        <a:noFill/>
+      </a:ln>
+    </cs:spPr>
+  </cs:wall>
+</cs:chartStyle>
+</file>
+
+<file path=ppt/notesMasters/notesMaster1.xml><?xml version="1.0" encoding="utf-8"?>
+<p:notesMaster xmlns:a="http://schemas.openxmlformats.org/drawingml/2006/main" xmlns:r="http://schemas.openxmlformats.org/officeDocument/2006/relationships" xmlns:p="http://schemas.openxmlformats.org/presentationml/2006/main">
+  <p:cSld>
+    <p:bg>
+      <p:bgRef idx="1001">
+        <a:schemeClr val="bg1"/>
+      </p:bgRef>
+    </p:bg>
+    <p:spTree>
+      <p:nvGrpSpPr>
+        <p:cNvPr id="1" name=""/>
+        <p:cNvGrpSpPr/>
+        <p:nvPr/>
+      </p:nvGrpSpPr>
+      <p:grpSpPr>
+        <a:xfrm>
+          <a:off x="0" y="0"/>
+          <a:ext cx="0" cy="0"/>
+          <a:chOff x="0" y="0"/>
+          <a:chExt cx="0" cy="0"/>
+        </a:xfrm>
+      </p:grpSpPr>
+      <p:sp>
+        <p:nvSpPr>
+          <p:cNvPr id="2" name="Header Placeholder 1"/>
+          <p:cNvSpPr>
+            <a:spLocks noGrp="1"/>
+          </p:cNvSpPr>
+          <p:nvPr>
+            <p:ph type="hdr" sz="quarter"/>
+          </p:nvPr>
+        </p:nvSpPr>
+        <p:spPr>
+          <a:xfrm>
+            <a:off x="0" y="0"/>
+            <a:ext cx="2971800" cy="458788"/>
+          </a:xfrm>
+          <a:prstGeom prst="rect">
+            <a:avLst/>
+          </a:prstGeom>
+        </p:spPr>
+        <p:txBody>
+          <a:bodyPr vert="horz" lIns="91440" tIns="45720" rIns="91440" bIns="45720" rtlCol="0"/>
+          <a:lstStyle>
+            <a:lvl1pPr algn="l">
+              <a:defRPr sz="1200"/>
+            </a:lvl1pPr>
+          </a:lstStyle>
+          <a:p>
+            <a:endParaRPr lang="en-GB"/>
+          </a:p>
+        </p:txBody>
+      </p:sp>
+      <p:sp>
+        <p:nvSpPr>
+          <p:cNvPr id="3" name="Date Placeholder 2"/>
+          <p:cNvSpPr>
+            <a:spLocks noGrp="1"/>
+          </p:cNvSpPr>
+          <p:nvPr>
+            <p:ph type="dt" idx="1"/>
+          </p:nvPr>
+        </p:nvSpPr>
+        <p:spPr>
+          <a:xfrm>
+            <a:off x="3884613" y="0"/>
+            <a:ext cx="2971800" cy="458788"/>
+          </a:xfrm>
+          <a:prstGeom prst="rect">
+            <a:avLst/>
+          </a:prstGeom>
+        </p:spPr>
+        <p:txBody>
+          <a:bodyPr vert="horz" lIns="91440" tIns="45720" rIns="91440" bIns="45720" rtlCol="0"/>
+          <a:lstStyle>
+            <a:lvl1pPr algn="r">
+              <a:defRPr sz="1200"/>
+            </a:lvl1pPr>
+          </a:lstStyle>
+          <a:p>
+            <a:fld id="{443D1344-9519-412F-99F4-31D536102259}" type="datetimeFigureOut">
+              <a:rPr lang="en-GB" smtClean="0"/>
+              <a:t>03/03/2025</a:t>
+            </a:fld>
+            <a:endParaRPr lang="en-GB"/>
+          </a:p>
+        </p:txBody>
+      </p:sp>
+      <p:sp>
+        <p:nvSpPr>
+          <p:cNvPr id="4" name="Slide Image Placeholder 3"/>
+          <p:cNvSpPr>
+            <a:spLocks noGrp="1" noRot="1" noChangeAspect="1"/>
+          </p:cNvSpPr>
+          <p:nvPr>
+            <p:ph type="sldImg" idx="2"/>
+          </p:nvPr>
+        </p:nvSpPr>
+        <p:spPr>
+          <a:xfrm>
+            <a:off x="685800" y="1143000"/>
+            <a:ext cx="5486400" cy="3086100"/>
+          </a:xfrm>
+          <a:prstGeom prst="rect">
+            <a:avLst/>
+          </a:prstGeom>
+          <a:noFill/>
+          <a:ln w="12700">
+            <a:solidFill>
+              <a:prstClr val="black"/>
+            </a:solidFill>
+          </a:ln>
+        </p:spPr>
+        <p:txBody>
+          <a:bodyPr vert="horz" lIns="91440" tIns="45720" rIns="91440" bIns="45720" rtlCol="0" anchor="ctr"/>
+          <a:lstStyle/>
+          <a:p>
+            <a:endParaRPr lang="en-GB"/>
+          </a:p>
+        </p:txBody>
+      </p:sp>
+      <p:sp>
+        <p:nvSpPr>
+          <p:cNvPr id="5" name="Notes Placeholder 4"/>
+          <p:cNvSpPr>
+            <a:spLocks noGrp="1"/>
+          </p:cNvSpPr>
+          <p:nvPr>
+            <p:ph type="body" sz="quarter" idx="3"/>
+          </p:nvPr>
+        </p:nvSpPr>
+        <p:spPr>
+          <a:xfrm>
+            <a:off x="685800" y="4400550"/>
+            <a:ext cx="5486400" cy="3600450"/>
+          </a:xfrm>
+          <a:prstGeom prst="rect">
+            <a:avLst/>
+          </a:prstGeom>
+        </p:spPr>
+        <p:txBody>
+          <a:bodyPr vert="horz" lIns="91440" tIns="45720" rIns="91440" bIns="45720" rtlCol="0"/>
+          <a:lstStyle/>
+          <a:p>
+            <a:pPr lvl="0"/>
+            <a:r>
+              <a:rPr lang="en-US"/>
+              <a:t>Click to edit Master text styles</a:t>
+            </a:r>
+          </a:p>
+          <a:p>
+            <a:pPr lvl="1"/>
+            <a:r>
+              <a:rPr lang="en-US"/>
+              <a:t>Second level</a:t>
+            </a:r>
+          </a:p>
+          <a:p>
+            <a:pPr lvl="2"/>
+            <a:r>
+              <a:rPr lang="en-US"/>
+              <a:t>Third level</a:t>
+            </a:r>
+          </a:p>
+          <a:p>
+            <a:pPr lvl="3"/>
+            <a:r>
+              <a:rPr lang="en-US"/>
+              <a:t>Fourth level</a:t>
+            </a:r>
+          </a:p>
+          <a:p>
+            <a:pPr lvl="4"/>
+            <a:r>
+              <a:rPr lang="en-US"/>
+              <a:t>Fifth level</a:t>
+            </a:r>
+            <a:endParaRPr lang="en-GB"/>
+          </a:p>
+        </p:txBody>
+      </p:sp>
+      <p:sp>
+        <p:nvSpPr>
+          <p:cNvPr id="6" name="Footer Placeholder 5"/>
+          <p:cNvSpPr>
+            <a:spLocks noGrp="1"/>
+          </p:cNvSpPr>
+          <p:nvPr>
+            <p:ph type="ftr" sz="quarter" idx="4"/>
+          </p:nvPr>
+        </p:nvSpPr>
+        <p:spPr>
+          <a:xfrm>
+            <a:off x="0" y="8685213"/>
+            <a:ext cx="2971800" cy="458787"/>
+          </a:xfrm>
+          <a:prstGeom prst="rect">
+            <a:avLst/>
+          </a:prstGeom>
+        </p:spPr>
+        <p:txBody>
+          <a:bodyPr vert="horz" lIns="91440" tIns="45720" rIns="91440" bIns="45720" rtlCol="0" anchor="b"/>
+          <a:lstStyle>
+            <a:lvl1pPr algn="l">
+              <a:defRPr sz="1200"/>
+            </a:lvl1pPr>
+          </a:lstStyle>
+          <a:p>
+            <a:endParaRPr lang="en-GB"/>
+          </a:p>
+        </p:txBody>
+      </p:sp>
+      <p:sp>
+        <p:nvSpPr>
+          <p:cNvPr id="7" name="Slide Number Placeholder 6"/>
+          <p:cNvSpPr>
+            <a:spLocks noGrp="1"/>
+          </p:cNvSpPr>
+          <p:nvPr>
+            <p:ph type="sldNum" sz="quarter" idx="5"/>
+          </p:nvPr>
+        </p:nvSpPr>
+        <p:spPr>
+          <a:xfrm>
+            <a:off x="3884613" y="8685213"/>
+            <a:ext cx="2971800" cy="458787"/>
+          </a:xfrm>
+          <a:prstGeom prst="rect">
+            <a:avLst/>
+          </a:prstGeom>
+        </p:spPr>
+        <p:txBody>
+          <a:bodyPr vert="horz" lIns="91440" tIns="45720" rIns="91440" bIns="45720" rtlCol="0" anchor="b"/>
+          <a:lstStyle>
+            <a:lvl1pPr algn="r">
+              <a:defRPr sz="1200"/>
+            </a:lvl1pPr>
+          </a:lstStyle>
+          <a:p>
+            <a:fld id="{E5AFD283-C983-4AF8-AA3C-16BC4DA2C93A}" type="slidenum">
+              <a:rPr lang="en-GB" smtClean="0"/>
+              <a:t>‹#›</a:t>
+            </a:fld>
+            <a:endParaRPr lang="en-GB"/>
+          </a:p>
+        </p:txBody>
+      </p:sp>
+    </p:spTree>
+    <p:extLst>
+      <p:ext uri="{BB962C8B-B14F-4D97-AF65-F5344CB8AC3E}">
+        <p14:creationId xmlns:p14="http://schemas.microsoft.com/office/powerpoint/2010/main" val="2694013712"/>
+      </p:ext>
+    </p:extLst>
+  </p:cSld>
+  <p:clrMap bg1="lt1" tx1="dk1" bg2="lt2" tx2="dk2" accent1="accent1" accent2="accent2" accent3="accent3" accent4="accent4" accent5="accent5" accent6="accent6" hlink="hlink" folHlink="folHlink"/>
+  <p:notesStyle>
+    <a:lvl1pPr marL="0" algn="l" defTabSz="914400" rtl="0" eaLnBrk="1" latinLnBrk="0" hangingPunct="1">
+      <a:defRPr sz="1200" kern="1200">
+        <a:solidFill>
+          <a:schemeClr val="tx1"/>
+        </a:solidFill>
+        <a:latin typeface="+mn-lt"/>
+        <a:ea typeface="+mn-ea"/>
+        <a:cs typeface="+mn-cs"/>
+      </a:defRPr>
+    </a:lvl1pPr>
+    <a:lvl2pPr marL="457200" algn="l" defTabSz="914400" rtl="0" eaLnBrk="1" latinLnBrk="0" hangingPunct="1">
+      <a:defRPr sz="1200" kern="1200">
+        <a:solidFill>
+          <a:schemeClr val="tx1"/>
+        </a:solidFill>
+        <a:latin typeface="+mn-lt"/>
+        <a:ea typeface="+mn-ea"/>
+        <a:cs typeface="+mn-cs"/>
+      </a:defRPr>
+    </a:lvl2pPr>
+    <a:lvl3pPr marL="914400" algn="l" defTabSz="914400" rtl="0" eaLnBrk="1" latinLnBrk="0" hangingPunct="1">
+      <a:defRPr sz="1200" kern="1200">
+        <a:solidFill>
+          <a:schemeClr val="tx1"/>
+        </a:solidFill>
+        <a:latin typeface="+mn-lt"/>
+        <a:ea typeface="+mn-ea"/>
+        <a:cs typeface="+mn-cs"/>
+      </a:defRPr>
+    </a:lvl3pPr>
+    <a:lvl4pPr marL="1371600" algn="l" defTabSz="914400" rtl="0" eaLnBrk="1" latinLnBrk="0" hangingPunct="1">
+      <a:defRPr sz="1200" kern="1200">
+        <a:solidFill>
+          <a:schemeClr val="tx1"/>
+        </a:solidFill>
+        <a:latin typeface="+mn-lt"/>
+        <a:ea typeface="+mn-ea"/>
+        <a:cs typeface="+mn-cs"/>
+      </a:defRPr>
+    </a:lvl4pPr>
+    <a:lvl5pPr marL="1828800" algn="l" defTabSz="914400" rtl="0" eaLnBrk="1" latinLnBrk="0" hangingPunct="1">
+      <a:defRPr sz="1200" kern="1200">
+        <a:solidFill>
+          <a:schemeClr val="tx1"/>
+        </a:solidFill>
+        <a:latin typeface="+mn-lt"/>
+        <a:ea typeface="+mn-ea"/>
+        <a:cs typeface="+mn-cs"/>
+      </a:defRPr>
+    </a:lvl5pPr>
+    <a:lvl6pPr marL="2286000" algn="l" defTabSz="914400" rtl="0" eaLnBrk="1" latinLnBrk="0" hangingPunct="1">
+      <a:defRPr sz="1200" kern="1200">
+        <a:solidFill>
+          <a:schemeClr val="tx1"/>
+        </a:solidFill>
+        <a:latin typeface="+mn-lt"/>
+        <a:ea typeface="+mn-ea"/>
+        <a:cs typeface="+mn-cs"/>
+      </a:defRPr>
+    </a:lvl6pPr>
+    <a:lvl7pPr marL="2743200" algn="l" defTabSz="914400" rtl="0" eaLnBrk="1" latinLnBrk="0" hangingPunct="1">
+      <a:defRPr sz="1200" kern="1200">
+        <a:solidFill>
+          <a:schemeClr val="tx1"/>
+        </a:solidFill>
+        <a:latin typeface="+mn-lt"/>
+        <a:ea typeface="+mn-ea"/>
+        <a:cs typeface="+mn-cs"/>
+      </a:defRPr>
+    </a:lvl7pPr>
+    <a:lvl8pPr marL="3200400" algn="l" defTabSz="914400" rtl="0" eaLnBrk="1" latinLnBrk="0" hangingPunct="1">
+      <a:defRPr sz="1200" kern="1200">
+        <a:solidFill>
+          <a:schemeClr val="tx1"/>
+        </a:solidFill>
+        <a:latin typeface="+mn-lt"/>
+        <a:ea typeface="+mn-ea"/>
+        <a:cs typeface="+mn-cs"/>
+      </a:defRPr>
+    </a:lvl8pPr>
+    <a:lvl9pPr marL="3657600" algn="l" defTabSz="914400" rtl="0" eaLnBrk="1" latinLnBrk="0" hangingPunct="1">
+      <a:defRPr sz="1200" kern="1200">
+        <a:solidFill>
+          <a:schemeClr val="tx1"/>
+        </a:solidFill>
+        <a:latin typeface="+mn-lt"/>
+        <a:ea typeface="+mn-ea"/>
+        <a:cs typeface="+mn-cs"/>
+      </a:defRPr>
+    </a:lvl9pPr>
+  </p:notesStyle>
+</p:notesMaster>
+</file>
+
+<file path=ppt/notesSlides/notesSlide1.xml><?xml version="1.0" encoding="utf-8"?>
+<p:notes xmlns:a="http://schemas.openxmlformats.org/drawingml/2006/main" xmlns:r="http://schemas.openxmlformats.org/officeDocument/2006/relationships" xmlns:p="http://schemas.openxmlformats.org/presentationml/2006/main">
+  <p:cSld>
+    <p:spTree>
+      <p:nvGrpSpPr>
+        <p:cNvPr id="1" name=""/>
+        <p:cNvGrpSpPr/>
+        <p:nvPr/>
+      </p:nvGrpSpPr>
+      <p:grpSpPr>
+        <a:xfrm>
+          <a:off x="0" y="0"/>
+          <a:ext cx="0" cy="0"/>
+          <a:chOff x="0" y="0"/>
+          <a:chExt cx="0" cy="0"/>
+        </a:xfrm>
+      </p:grpSpPr>
+      <p:sp>
+        <p:nvSpPr>
+          <p:cNvPr id="2" name="Slide Image Placeholder 1"/>
+          <p:cNvSpPr>
+            <a:spLocks noGrp="1" noRot="1" noChangeAspect="1"/>
+          </p:cNvSpPr>
+          <p:nvPr>
+            <p:ph type="sldImg"/>
+          </p:nvPr>
+        </p:nvSpPr>
+        <p:spPr/>
+      </p:sp>
+      <p:sp>
+        <p:nvSpPr>
+          <p:cNvPr id="3" name="Notes Placeholder 2"/>
+          <p:cNvSpPr>
+            <a:spLocks noGrp="1"/>
+          </p:cNvSpPr>
+          <p:nvPr>
+            <p:ph type="body" idx="1"/>
+          </p:nvPr>
+        </p:nvSpPr>
+        <p:spPr/>
+        <p:txBody>
+          <a:bodyPr/>
+          <a:lstStyle/>
+          <a:p>
+            <a:r>
+              <a:rPr lang="en-GB" dirty="0"/>
+              <a:t>Combined prednisolone and prednisone</a:t>
+            </a:r>
+          </a:p>
+          <a:p>
+            <a:endParaRPr lang="en-GB" dirty="0"/>
+          </a:p>
+        </p:txBody>
+      </p:sp>
+      <p:sp>
+        <p:nvSpPr>
+          <p:cNvPr id="4" name="Slide Number Placeholder 3"/>
+          <p:cNvSpPr>
+            <a:spLocks noGrp="1"/>
+          </p:cNvSpPr>
+          <p:nvPr>
+            <p:ph type="sldNum" sz="quarter" idx="5"/>
+          </p:nvPr>
+        </p:nvSpPr>
+        <p:spPr/>
+        <p:txBody>
+          <a:bodyPr/>
+          <a:lstStyle/>
+          <a:p>
+            <a:fld id="{E5AFD283-C983-4AF8-AA3C-16BC4DA2C93A}" type="slidenum">
+              <a:rPr lang="en-GB" smtClean="0"/>
+              <a:t>4</a:t>
+            </a:fld>
+            <a:endParaRPr lang="en-GB"/>
+          </a:p>
+        </p:txBody>
+      </p:sp>
+    </p:spTree>
+    <p:extLst>
+      <p:ext uri="{BB962C8B-B14F-4D97-AF65-F5344CB8AC3E}">
+        <p14:creationId xmlns:p14="http://schemas.microsoft.com/office/powerpoint/2010/main" val="697383061"/>
+      </p:ext>
+    </p:extLst>
+  </p:cSld>
+  <p:clrMapOvr>
+    <a:masterClrMapping/>
+  </p:clrMapOvr>
+</p:notes>
+</file>
+
+<file path=ppt/notesSlides/notesSlide2.xml><?xml version="1.0" encoding="utf-8"?>
+<p:notes xmlns:a="http://schemas.openxmlformats.org/drawingml/2006/main" xmlns:r="http://schemas.openxmlformats.org/officeDocument/2006/relationships" xmlns:p="http://schemas.openxmlformats.org/presentationml/2006/main">
+  <p:cSld>
+    <p:spTree>
+      <p:nvGrpSpPr>
+        <p:cNvPr id="1" name=""/>
+        <p:cNvGrpSpPr/>
+        <p:nvPr/>
+      </p:nvGrpSpPr>
+      <p:grpSpPr>
+        <a:xfrm>
+          <a:off x="0" y="0"/>
+          <a:ext cx="0" cy="0"/>
+          <a:chOff x="0" y="0"/>
+          <a:chExt cx="0" cy="0"/>
+        </a:xfrm>
+      </p:grpSpPr>
+      <p:sp>
+        <p:nvSpPr>
+          <p:cNvPr id="2" name="Slide Image Placeholder 1"/>
+          <p:cNvSpPr>
+            <a:spLocks noGrp="1" noRot="1" noChangeAspect="1"/>
+          </p:cNvSpPr>
+          <p:nvPr>
+            <p:ph type="sldImg"/>
+          </p:nvPr>
+        </p:nvSpPr>
+        <p:spPr/>
+      </p:sp>
+      <p:sp>
+        <p:nvSpPr>
+          <p:cNvPr id="3" name="Notes Placeholder 2"/>
+          <p:cNvSpPr>
+            <a:spLocks noGrp="1"/>
+          </p:cNvSpPr>
+          <p:nvPr>
+            <p:ph type="body" idx="1"/>
+          </p:nvPr>
+        </p:nvSpPr>
+        <p:spPr/>
+        <p:txBody>
+          <a:bodyPr/>
+          <a:lstStyle/>
+          <a:p>
+            <a:r>
+              <a:rPr lang="en-GB" dirty="0"/>
+              <a:t>Figure linked to excel!</a:t>
+            </a:r>
+          </a:p>
+        </p:txBody>
+      </p:sp>
+      <p:sp>
+        <p:nvSpPr>
+          <p:cNvPr id="4" name="Slide Number Placeholder 3"/>
+          <p:cNvSpPr>
+            <a:spLocks noGrp="1"/>
+          </p:cNvSpPr>
+          <p:nvPr>
+            <p:ph type="sldNum" sz="quarter" idx="5"/>
+          </p:nvPr>
+        </p:nvSpPr>
+        <p:spPr/>
+        <p:txBody>
+          <a:bodyPr/>
+          <a:lstStyle/>
+          <a:p>
+            <a:fld id="{E5AFD283-C983-4AF8-AA3C-16BC4DA2C93A}" type="slidenum">
+              <a:rPr lang="en-GB" smtClean="0"/>
+              <a:t>5</a:t>
+            </a:fld>
+            <a:endParaRPr lang="en-GB"/>
+          </a:p>
+        </p:txBody>
+      </p:sp>
+    </p:spTree>
+    <p:extLst>
+      <p:ext uri="{BB962C8B-B14F-4D97-AF65-F5344CB8AC3E}">
+        <p14:creationId xmlns:p14="http://schemas.microsoft.com/office/powerpoint/2010/main" val="134194807"/>
+      </p:ext>
+    </p:extLst>
+  </p:cSld>
+  <p:clrMapOvr>
+    <a:masterClrMapping/>
+  </p:clrMapOvr>
+</p:notes>
 </file>
 
 <file path=ppt/slideLayouts/slideLayout1.xml><?xml version="1.0" encoding="utf-8"?>
@@ -3605,7 +6451,7 @@
           <a:p>
             <a:fld id="{D45BF871-12C5-4E17-97D3-8CCA8B0651D0}" type="datetimeFigureOut">
               <a:rPr lang="en-GB" smtClean="0"/>
-              <a:t>28/02/2025</a:t>
+              <a:t>03/03/2025</a:t>
             </a:fld>
             <a:endParaRPr lang="en-GB"/>
           </a:p>
@@ -3805,7 +6651,7 @@
           <a:p>
             <a:fld id="{D45BF871-12C5-4E17-97D3-8CCA8B0651D0}" type="datetimeFigureOut">
               <a:rPr lang="en-GB" smtClean="0"/>
-              <a:t>28/02/2025</a:t>
+              <a:t>03/03/2025</a:t>
             </a:fld>
             <a:endParaRPr lang="en-GB"/>
           </a:p>
@@ -4015,7 +6861,7 @@
           <a:p>
             <a:fld id="{D45BF871-12C5-4E17-97D3-8CCA8B0651D0}" type="datetimeFigureOut">
               <a:rPr lang="en-GB" smtClean="0"/>
-              <a:t>28/02/2025</a:t>
+              <a:t>03/03/2025</a:t>
             </a:fld>
             <a:endParaRPr lang="en-GB"/>
           </a:p>
@@ -4215,7 +7061,7 @@
           <a:p>
             <a:fld id="{D45BF871-12C5-4E17-97D3-8CCA8B0651D0}" type="datetimeFigureOut">
               <a:rPr lang="en-GB" smtClean="0"/>
-              <a:t>28/02/2025</a:t>
+              <a:t>03/03/2025</a:t>
             </a:fld>
             <a:endParaRPr lang="en-GB"/>
           </a:p>
@@ -4491,7 +7337,7 @@
           <a:p>
             <a:fld id="{D45BF871-12C5-4E17-97D3-8CCA8B0651D0}" type="datetimeFigureOut">
               <a:rPr lang="en-GB" smtClean="0"/>
-              <a:t>28/02/2025</a:t>
+              <a:t>03/03/2025</a:t>
             </a:fld>
             <a:endParaRPr lang="en-GB"/>
           </a:p>
@@ -4759,7 +7605,7 @@
           <a:p>
             <a:fld id="{D45BF871-12C5-4E17-97D3-8CCA8B0651D0}" type="datetimeFigureOut">
               <a:rPr lang="en-GB" smtClean="0"/>
-              <a:t>28/02/2025</a:t>
+              <a:t>03/03/2025</a:t>
             </a:fld>
             <a:endParaRPr lang="en-GB"/>
           </a:p>
@@ -5174,7 +8020,7 @@
           <a:p>
             <a:fld id="{D45BF871-12C5-4E17-97D3-8CCA8B0651D0}" type="datetimeFigureOut">
               <a:rPr lang="en-GB" smtClean="0"/>
-              <a:t>28/02/2025</a:t>
+              <a:t>03/03/2025</a:t>
             </a:fld>
             <a:endParaRPr lang="en-GB"/>
           </a:p>
@@ -5316,7 +8162,7 @@
           <a:p>
             <a:fld id="{D45BF871-12C5-4E17-97D3-8CCA8B0651D0}" type="datetimeFigureOut">
               <a:rPr lang="en-GB" smtClean="0"/>
-              <a:t>28/02/2025</a:t>
+              <a:t>03/03/2025</a:t>
             </a:fld>
             <a:endParaRPr lang="en-GB"/>
           </a:p>
@@ -5429,7 +8275,7 @@
           <a:p>
             <a:fld id="{D45BF871-12C5-4E17-97D3-8CCA8B0651D0}" type="datetimeFigureOut">
               <a:rPr lang="en-GB" smtClean="0"/>
-              <a:t>28/02/2025</a:t>
+              <a:t>03/03/2025</a:t>
             </a:fld>
             <a:endParaRPr lang="en-GB"/>
           </a:p>
@@ -5742,7 +8588,7 @@
           <a:p>
             <a:fld id="{D45BF871-12C5-4E17-97D3-8CCA8B0651D0}" type="datetimeFigureOut">
               <a:rPr lang="en-GB" smtClean="0"/>
-              <a:t>28/02/2025</a:t>
+              <a:t>03/03/2025</a:t>
             </a:fld>
             <a:endParaRPr lang="en-GB"/>
           </a:p>
@@ -6031,7 +8877,7 @@
           <a:p>
             <a:fld id="{D45BF871-12C5-4E17-97D3-8CCA8B0651D0}" type="datetimeFigureOut">
               <a:rPr lang="en-GB" smtClean="0"/>
-              <a:t>28/02/2025</a:t>
+              <a:t>03/03/2025</a:t>
             </a:fld>
             <a:endParaRPr lang="en-GB"/>
           </a:p>
@@ -6274,7 +9120,7 @@
           <a:p>
             <a:fld id="{D45BF871-12C5-4E17-97D3-8CCA8B0651D0}" type="datetimeFigureOut">
               <a:rPr lang="en-GB" smtClean="0"/>
-              <a:t>28/02/2025</a:t>
+              <a:t>03/03/2025</a:t>
             </a:fld>
             <a:endParaRPr lang="en-GB"/>
           </a:p>
@@ -8440,6 +11286,635 @@
           <p:cNvPr id="4" name="Chart 3">
             <a:extLst>
               <a:ext uri="{FF2B5EF4-FFF2-40B4-BE49-F238E27FC236}">
+                <a16:creationId xmlns:a16="http://schemas.microsoft.com/office/drawing/2014/main" id="{EBE3B5AC-D623-8A2E-FA8E-234E63CB4C87}"/>
+              </a:ext>
+            </a:extLst>
+          </p:cNvPr>
+          <p:cNvGraphicFramePr>
+            <a:graphicFrameLocks/>
+          </p:cNvGraphicFramePr>
+          <p:nvPr>
+            <p:extLst>
+              <p:ext uri="{D42A27DB-BD31-4B8C-83A1-F6EECF244321}">
+                <p14:modId xmlns:p14="http://schemas.microsoft.com/office/powerpoint/2010/main" val="1440142445"/>
+              </p:ext>
+            </p:extLst>
+          </p:nvPr>
+        </p:nvGraphicFramePr>
+        <p:xfrm>
+          <a:off x="764177" y="481148"/>
+          <a:ext cx="10840357" cy="5895703"/>
+        </p:xfrm>
+        <a:graphic>
+          <a:graphicData uri="http://schemas.openxmlformats.org/drawingml/2006/chart">
+            <c:chart xmlns:c="http://schemas.openxmlformats.org/drawingml/2006/chart" xmlns:r="http://schemas.openxmlformats.org/officeDocument/2006/relationships" r:id="rId3"/>
+          </a:graphicData>
+        </a:graphic>
+      </p:graphicFrame>
+    </p:spTree>
+    <p:extLst>
+      <p:ext uri="{BB962C8B-B14F-4D97-AF65-F5344CB8AC3E}">
+        <p14:creationId xmlns:p14="http://schemas.microsoft.com/office/powerpoint/2010/main" val="736191975"/>
+      </p:ext>
+    </p:extLst>
+  </p:cSld>
+  <p:clrMapOvr>
+    <a:masterClrMapping/>
+  </p:clrMapOvr>
+</p:sld>
+</file>
+
+<file path=ppt/slides/slide5.xml><?xml version="1.0" encoding="utf-8"?>
+<p:sld xmlns:a="http://schemas.openxmlformats.org/drawingml/2006/main" xmlns:r="http://schemas.openxmlformats.org/officeDocument/2006/relationships" xmlns:p="http://schemas.openxmlformats.org/presentationml/2006/main">
+  <p:cSld>
+    <p:spTree>
+      <p:nvGrpSpPr>
+        <p:cNvPr id="1" name=""/>
+        <p:cNvGrpSpPr/>
+        <p:nvPr/>
+      </p:nvGrpSpPr>
+      <p:grpSpPr>
+        <a:xfrm>
+          <a:off x="0" y="0"/>
+          <a:ext cx="0" cy="0"/>
+          <a:chOff x="0" y="0"/>
+          <a:chExt cx="0" cy="0"/>
+        </a:xfrm>
+      </p:grpSpPr>
+      <p:graphicFrame>
+        <p:nvGraphicFramePr>
+          <p:cNvPr id="4" name="Chart 3">
+            <a:extLst>
+              <a:ext uri="{FF2B5EF4-FFF2-40B4-BE49-F238E27FC236}">
+                <a16:creationId xmlns:a16="http://schemas.microsoft.com/office/drawing/2014/main" id="{F40456D4-CE82-F85C-0D13-BFCA05879863}"/>
+              </a:ext>
+            </a:extLst>
+          </p:cNvPr>
+          <p:cNvGraphicFramePr>
+            <a:graphicFrameLocks/>
+          </p:cNvGraphicFramePr>
+          <p:nvPr>
+            <p:extLst>
+              <p:ext uri="{D42A27DB-BD31-4B8C-83A1-F6EECF244321}">
+                <p14:modId xmlns:p14="http://schemas.microsoft.com/office/powerpoint/2010/main" val="1376120664"/>
+              </p:ext>
+            </p:extLst>
+          </p:nvPr>
+        </p:nvGraphicFramePr>
+        <p:xfrm>
+          <a:off x="231775" y="1663185"/>
+          <a:ext cx="7793692" cy="4357969"/>
+        </p:xfrm>
+        <a:graphic>
+          <a:graphicData uri="http://schemas.openxmlformats.org/drawingml/2006/chart">
+            <c:chart xmlns:c="http://schemas.openxmlformats.org/drawingml/2006/chart" xmlns:r="http://schemas.openxmlformats.org/officeDocument/2006/relationships" r:id="rId3"/>
+          </a:graphicData>
+        </a:graphic>
+      </p:graphicFrame>
+      <p:sp>
+        <p:nvSpPr>
+          <p:cNvPr id="5" name="TextBox 4">
+            <a:extLst>
+              <a:ext uri="{FF2B5EF4-FFF2-40B4-BE49-F238E27FC236}">
+                <a16:creationId xmlns:a16="http://schemas.microsoft.com/office/drawing/2014/main" id="{F0F19ED8-B44C-B85B-785C-B7A286C7C57B}"/>
+              </a:ext>
+            </a:extLst>
+          </p:cNvPr>
+          <p:cNvSpPr txBox="1"/>
+          <p:nvPr/>
+        </p:nvSpPr>
+        <p:spPr>
+          <a:xfrm>
+            <a:off x="552450" y="6021154"/>
+            <a:ext cx="7705725" cy="369332"/>
+          </a:xfrm>
+          <a:prstGeom prst="rect">
+            <a:avLst/>
+          </a:prstGeom>
+          <a:noFill/>
+        </p:spPr>
+        <p:txBody>
+          <a:bodyPr wrap="square" rtlCol="0">
+            <a:spAutoFit/>
+          </a:bodyPr>
+          <a:lstStyle/>
+          <a:p>
+            <a:r>
+              <a:rPr lang="en-GB" dirty="0"/>
+              <a:t>Combinations:</a:t>
+            </a:r>
+          </a:p>
+        </p:txBody>
+      </p:sp>
+      <p:graphicFrame>
+        <p:nvGraphicFramePr>
+          <p:cNvPr id="8" name="Table 7">
+            <a:extLst>
+              <a:ext uri="{FF2B5EF4-FFF2-40B4-BE49-F238E27FC236}">
+                <a16:creationId xmlns:a16="http://schemas.microsoft.com/office/drawing/2014/main" id="{8FF43781-9B18-0233-674E-C4D4C543666B}"/>
+              </a:ext>
+            </a:extLst>
+          </p:cNvPr>
+          <p:cNvGraphicFramePr>
+            <a:graphicFrameLocks noGrp="1"/>
+          </p:cNvGraphicFramePr>
+          <p:nvPr>
+            <p:extLst>
+              <p:ext uri="{D42A27DB-BD31-4B8C-83A1-F6EECF244321}">
+                <p14:modId xmlns:p14="http://schemas.microsoft.com/office/powerpoint/2010/main" val="1060696268"/>
+              </p:ext>
+            </p:extLst>
+          </p:nvPr>
+        </p:nvGraphicFramePr>
+        <p:xfrm>
+          <a:off x="298450" y="259319"/>
+          <a:ext cx="6835775" cy="1219200"/>
+        </p:xfrm>
+        <a:graphic>
+          <a:graphicData uri="http://schemas.openxmlformats.org/drawingml/2006/table">
+            <a:tbl>
+              <a:tblPr firstRow="1" bandRow="1">
+                <a:tableStyleId>{5C22544A-7EE6-4342-B048-85BDC9FD1C3A}</a:tableStyleId>
+              </a:tblPr>
+              <a:tblGrid>
+                <a:gridCol w="1708943">
+                  <a:extLst>
+                    <a:ext uri="{9D8B030D-6E8A-4147-A177-3AD203B41FA5}">
+                      <a16:colId xmlns:a16="http://schemas.microsoft.com/office/drawing/2014/main" val="755448624"/>
+                    </a:ext>
+                  </a:extLst>
+                </a:gridCol>
+                <a:gridCol w="854472">
+                  <a:extLst>
+                    <a:ext uri="{9D8B030D-6E8A-4147-A177-3AD203B41FA5}">
+                      <a16:colId xmlns:a16="http://schemas.microsoft.com/office/drawing/2014/main" val="1433463304"/>
+                    </a:ext>
+                  </a:extLst>
+                </a:gridCol>
+                <a:gridCol w="854472">
+                  <a:extLst>
+                    <a:ext uri="{9D8B030D-6E8A-4147-A177-3AD203B41FA5}">
+                      <a16:colId xmlns:a16="http://schemas.microsoft.com/office/drawing/2014/main" val="3855977686"/>
+                    </a:ext>
+                  </a:extLst>
+                </a:gridCol>
+                <a:gridCol w="854472">
+                  <a:extLst>
+                    <a:ext uri="{9D8B030D-6E8A-4147-A177-3AD203B41FA5}">
+                      <a16:colId xmlns:a16="http://schemas.microsoft.com/office/drawing/2014/main" val="3658099222"/>
+                    </a:ext>
+                  </a:extLst>
+                </a:gridCol>
+                <a:gridCol w="854472">
+                  <a:extLst>
+                    <a:ext uri="{9D8B030D-6E8A-4147-A177-3AD203B41FA5}">
+                      <a16:colId xmlns:a16="http://schemas.microsoft.com/office/drawing/2014/main" val="4267390521"/>
+                    </a:ext>
+                  </a:extLst>
+                </a:gridCol>
+                <a:gridCol w="854472">
+                  <a:extLst>
+                    <a:ext uri="{9D8B030D-6E8A-4147-A177-3AD203B41FA5}">
+                      <a16:colId xmlns:a16="http://schemas.microsoft.com/office/drawing/2014/main" val="2532775270"/>
+                    </a:ext>
+                  </a:extLst>
+                </a:gridCol>
+                <a:gridCol w="854472">
+                  <a:extLst>
+                    <a:ext uri="{9D8B030D-6E8A-4147-A177-3AD203B41FA5}">
+                      <a16:colId xmlns:a16="http://schemas.microsoft.com/office/drawing/2014/main" val="2167781804"/>
+                    </a:ext>
+                  </a:extLst>
+                </a:gridCol>
+              </a:tblGrid>
+              <a:tr h="266503">
+                <a:tc>
+                  <a:txBody>
+                    <a:bodyPr/>
+                    <a:lstStyle/>
+                    <a:p>
+                      <a:endParaRPr lang="en-GB" sz="1400" dirty="0"/>
+                    </a:p>
+                  </a:txBody>
+                  <a:tcPr/>
+                </a:tc>
+                <a:tc gridSpan="2">
+                  <a:txBody>
+                    <a:bodyPr/>
+                    <a:lstStyle/>
+                    <a:p>
+                      <a:r>
+                        <a:rPr lang="en-GB" sz="1400" dirty="0"/>
+                        <a:t>Overall</a:t>
+                      </a:r>
+                    </a:p>
+                  </a:txBody>
+                  <a:tcPr/>
+                </a:tc>
+                <a:tc hMerge="1">
+                  <a:txBody>
+                    <a:bodyPr/>
+                    <a:lstStyle/>
+                    <a:p>
+                      <a:endParaRPr lang="en-GB"/>
+                    </a:p>
+                  </a:txBody>
+                  <a:tcPr/>
+                </a:tc>
+                <a:tc gridSpan="2">
+                  <a:txBody>
+                    <a:bodyPr/>
+                    <a:lstStyle/>
+                    <a:p>
+                      <a:r>
+                        <a:rPr lang="en-GB" sz="1400" dirty="0"/>
+                        <a:t>Last 12m</a:t>
+                      </a:r>
+                    </a:p>
+                  </a:txBody>
+                  <a:tcPr/>
+                </a:tc>
+                <a:tc hMerge="1">
+                  <a:txBody>
+                    <a:bodyPr/>
+                    <a:lstStyle/>
+                    <a:p>
+                      <a:endParaRPr lang="en-GB"/>
+                    </a:p>
+                  </a:txBody>
+                  <a:tcPr/>
+                </a:tc>
+                <a:tc gridSpan="2">
+                  <a:txBody>
+                    <a:bodyPr/>
+                    <a:lstStyle/>
+                    <a:p>
+                      <a:r>
+                        <a:rPr lang="en-GB" sz="1400" dirty="0"/>
+                        <a:t>1-5 years</a:t>
+                      </a:r>
+                    </a:p>
+                  </a:txBody>
+                  <a:tcPr/>
+                </a:tc>
+                <a:tc hMerge="1">
+                  <a:txBody>
+                    <a:bodyPr/>
+                    <a:lstStyle/>
+                    <a:p>
+                      <a:endParaRPr lang="en-GB"/>
+                    </a:p>
+                  </a:txBody>
+                  <a:tcPr/>
+                </a:tc>
+                <a:extLst>
+                  <a:ext uri="{0D108BD9-81ED-4DB2-BD59-A6C34878D82A}">
+                    <a16:rowId xmlns:a16="http://schemas.microsoft.com/office/drawing/2014/main" val="2157245315"/>
+                  </a:ext>
+                </a:extLst>
+              </a:tr>
+              <a:tr h="266503">
+                <a:tc>
+                  <a:txBody>
+                    <a:bodyPr/>
+                    <a:lstStyle/>
+                    <a:p>
+                      <a:r>
+                        <a:rPr lang="en-GB" sz="1400" dirty="0"/>
+                        <a:t>Single</a:t>
+                      </a:r>
+                    </a:p>
+                  </a:txBody>
+                  <a:tcPr/>
+                </a:tc>
+                <a:tc>
+                  <a:txBody>
+                    <a:bodyPr/>
+                    <a:lstStyle/>
+                    <a:p>
+                      <a:pPr algn="ctr"/>
+                      <a:r>
+                        <a:rPr lang="en-GB" sz="1400" dirty="0"/>
+                        <a:t>351</a:t>
+                      </a:r>
+                    </a:p>
+                  </a:txBody>
+                  <a:tcPr/>
+                </a:tc>
+                <a:tc>
+                  <a:txBody>
+                    <a:bodyPr/>
+                    <a:lstStyle/>
+                    <a:p>
+                      <a:pPr algn="ctr"/>
+                      <a:r>
+                        <a:rPr lang="en-GB" sz="1400" dirty="0"/>
+                        <a:t>91.15%</a:t>
+                      </a:r>
+                    </a:p>
+                  </a:txBody>
+                  <a:tcPr/>
+                </a:tc>
+                <a:tc>
+                  <a:txBody>
+                    <a:bodyPr/>
+                    <a:lstStyle/>
+                    <a:p>
+                      <a:pPr algn="ctr"/>
+                      <a:r>
+                        <a:rPr lang="en-GB" sz="1400" dirty="0"/>
+                        <a:t>114 </a:t>
+                      </a:r>
+                    </a:p>
+                  </a:txBody>
+                  <a:tcPr/>
+                </a:tc>
+                <a:tc>
+                  <a:txBody>
+                    <a:bodyPr/>
+                    <a:lstStyle/>
+                    <a:p>
+                      <a:pPr algn="ctr"/>
+                      <a:r>
+                        <a:rPr lang="en-GB" sz="1400" dirty="0"/>
+                        <a:t>84.4</a:t>
+                      </a:r>
+                    </a:p>
+                  </a:txBody>
+                  <a:tcPr/>
+                </a:tc>
+                <a:tc>
+                  <a:txBody>
+                    <a:bodyPr/>
+                    <a:lstStyle/>
+                    <a:p>
+                      <a:pPr algn="ctr"/>
+                      <a:r>
+                        <a:rPr lang="en-GB" sz="1400" dirty="0"/>
+                        <a:t>237</a:t>
+                      </a:r>
+                    </a:p>
+                  </a:txBody>
+                  <a:tcPr/>
+                </a:tc>
+                <a:tc>
+                  <a:txBody>
+                    <a:bodyPr/>
+                    <a:lstStyle/>
+                    <a:p>
+                      <a:pPr algn="ctr"/>
+                      <a:r>
+                        <a:rPr lang="en-GB" sz="1400" dirty="0"/>
+                        <a:t>94.8</a:t>
+                      </a:r>
+                    </a:p>
+                  </a:txBody>
+                  <a:tcPr/>
+                </a:tc>
+                <a:extLst>
+                  <a:ext uri="{0D108BD9-81ED-4DB2-BD59-A6C34878D82A}">
+                    <a16:rowId xmlns:a16="http://schemas.microsoft.com/office/drawing/2014/main" val="43088737"/>
+                  </a:ext>
+                </a:extLst>
+              </a:tr>
+              <a:tr h="266503">
+                <a:tc>
+                  <a:txBody>
+                    <a:bodyPr/>
+                    <a:lstStyle/>
+                    <a:p>
+                      <a:r>
+                        <a:rPr lang="en-GB" sz="1400" dirty="0"/>
+                        <a:t>Combined</a:t>
+                      </a:r>
+                    </a:p>
+                  </a:txBody>
+                  <a:tcPr/>
+                </a:tc>
+                <a:tc>
+                  <a:txBody>
+                    <a:bodyPr/>
+                    <a:lstStyle/>
+                    <a:p>
+                      <a:pPr algn="ctr"/>
+                      <a:r>
+                        <a:rPr lang="en-GB" sz="1400" dirty="0"/>
+                        <a:t>34</a:t>
+                      </a:r>
+                    </a:p>
+                  </a:txBody>
+                  <a:tcPr/>
+                </a:tc>
+                <a:tc>
+                  <a:txBody>
+                    <a:bodyPr/>
+                    <a:lstStyle/>
+                    <a:p>
+                      <a:pPr algn="ctr"/>
+                      <a:r>
+                        <a:rPr lang="en-GB" sz="1400" dirty="0"/>
+                        <a:t>8.85%</a:t>
+                      </a:r>
+                    </a:p>
+                  </a:txBody>
+                  <a:tcPr/>
+                </a:tc>
+                <a:tc>
+                  <a:txBody>
+                    <a:bodyPr/>
+                    <a:lstStyle/>
+                    <a:p>
+                      <a:pPr algn="ctr"/>
+                      <a:r>
+                        <a:rPr lang="en-GB" sz="1400" dirty="0"/>
+                        <a:t>21</a:t>
+                      </a:r>
+                    </a:p>
+                  </a:txBody>
+                  <a:tcPr/>
+                </a:tc>
+                <a:tc>
+                  <a:txBody>
+                    <a:bodyPr/>
+                    <a:lstStyle/>
+                    <a:p>
+                      <a:pPr algn="ctr"/>
+                      <a:r>
+                        <a:rPr lang="en-GB" sz="1400" dirty="0"/>
+                        <a:t>15.6</a:t>
+                      </a:r>
+                    </a:p>
+                  </a:txBody>
+                  <a:tcPr/>
+                </a:tc>
+                <a:tc>
+                  <a:txBody>
+                    <a:bodyPr/>
+                    <a:lstStyle/>
+                    <a:p>
+                      <a:pPr algn="ctr"/>
+                      <a:r>
+                        <a:rPr lang="en-GB" sz="1400" dirty="0"/>
+                        <a:t>13</a:t>
+                      </a:r>
+                    </a:p>
+                  </a:txBody>
+                  <a:tcPr/>
+                </a:tc>
+                <a:tc>
+                  <a:txBody>
+                    <a:bodyPr/>
+                    <a:lstStyle/>
+                    <a:p>
+                      <a:pPr algn="ctr"/>
+                      <a:r>
+                        <a:rPr lang="en-GB" sz="1400" dirty="0"/>
+                        <a:t>5.2</a:t>
+                      </a:r>
+                    </a:p>
+                  </a:txBody>
+                  <a:tcPr/>
+                </a:tc>
+                <a:extLst>
+                  <a:ext uri="{0D108BD9-81ED-4DB2-BD59-A6C34878D82A}">
+                    <a16:rowId xmlns:a16="http://schemas.microsoft.com/office/drawing/2014/main" val="594137121"/>
+                  </a:ext>
+                </a:extLst>
+              </a:tr>
+              <a:tr h="266503">
+                <a:tc>
+                  <a:txBody>
+                    <a:bodyPr/>
+                    <a:lstStyle/>
+                    <a:p>
+                      <a:r>
+                        <a:rPr lang="en-GB" sz="1400" dirty="0"/>
+                        <a:t>Total</a:t>
+                      </a:r>
+                    </a:p>
+                  </a:txBody>
+                  <a:tcPr/>
+                </a:tc>
+                <a:tc>
+                  <a:txBody>
+                    <a:bodyPr/>
+                    <a:lstStyle/>
+                    <a:p>
+                      <a:pPr algn="ctr"/>
+                      <a:r>
+                        <a:rPr lang="en-GB" sz="1400" dirty="0"/>
+                        <a:t>385</a:t>
+                      </a:r>
+                    </a:p>
+                  </a:txBody>
+                  <a:tcPr/>
+                </a:tc>
+                <a:tc>
+                  <a:txBody>
+                    <a:bodyPr/>
+                    <a:lstStyle/>
+                    <a:p>
+                      <a:pPr algn="ctr"/>
+                      <a:endParaRPr lang="en-GB" sz="1400" dirty="0"/>
+                    </a:p>
+                  </a:txBody>
+                  <a:tcPr/>
+                </a:tc>
+                <a:tc>
+                  <a:txBody>
+                    <a:bodyPr/>
+                    <a:lstStyle/>
+                    <a:p>
+                      <a:pPr algn="ctr"/>
+                      <a:r>
+                        <a:rPr lang="en-GB" sz="1400" dirty="0"/>
+                        <a:t>135</a:t>
+                      </a:r>
+                    </a:p>
+                  </a:txBody>
+                  <a:tcPr/>
+                </a:tc>
+                <a:tc>
+                  <a:txBody>
+                    <a:bodyPr/>
+                    <a:lstStyle/>
+                    <a:p>
+                      <a:pPr algn="ctr"/>
+                      <a:endParaRPr lang="en-GB" sz="1400" dirty="0"/>
+                    </a:p>
+                  </a:txBody>
+                  <a:tcPr/>
+                </a:tc>
+                <a:tc>
+                  <a:txBody>
+                    <a:bodyPr/>
+                    <a:lstStyle/>
+                    <a:p>
+                      <a:pPr algn="ctr"/>
+                      <a:r>
+                        <a:rPr lang="en-GB" sz="1400" dirty="0"/>
+                        <a:t>250</a:t>
+                      </a:r>
+                    </a:p>
+                  </a:txBody>
+                  <a:tcPr/>
+                </a:tc>
+                <a:tc>
+                  <a:txBody>
+                    <a:bodyPr/>
+                    <a:lstStyle/>
+                    <a:p>
+                      <a:pPr algn="ctr"/>
+                      <a:endParaRPr lang="en-GB" sz="1400" dirty="0"/>
+                    </a:p>
+                  </a:txBody>
+                  <a:tcPr/>
+                </a:tc>
+                <a:extLst>
+                  <a:ext uri="{0D108BD9-81ED-4DB2-BD59-A6C34878D82A}">
+                    <a16:rowId xmlns:a16="http://schemas.microsoft.com/office/drawing/2014/main" val="1684763983"/>
+                  </a:ext>
+                </a:extLst>
+              </a:tr>
+            </a:tbl>
+          </a:graphicData>
+        </a:graphic>
+      </p:graphicFrame>
+    </p:spTree>
+    <p:extLst>
+      <p:ext uri="{BB962C8B-B14F-4D97-AF65-F5344CB8AC3E}">
+        <p14:creationId xmlns:p14="http://schemas.microsoft.com/office/powerpoint/2010/main" val="1435659298"/>
+      </p:ext>
+    </p:extLst>
+  </p:cSld>
+  <p:clrMapOvr>
+    <a:masterClrMapping/>
+  </p:clrMapOvr>
+</p:sld>
+</file>
+
+<file path=ppt/slides/slide6.xml><?xml version="1.0" encoding="utf-8"?>
+<p:sld xmlns:a="http://schemas.openxmlformats.org/drawingml/2006/main" xmlns:r="http://schemas.openxmlformats.org/officeDocument/2006/relationships" xmlns:p="http://schemas.openxmlformats.org/presentationml/2006/main">
+  <p:cSld>
+    <p:spTree>
+      <p:nvGrpSpPr>
+        <p:cNvPr id="1" name=""/>
+        <p:cNvGrpSpPr/>
+        <p:nvPr/>
+      </p:nvGrpSpPr>
+      <p:grpSpPr>
+        <a:xfrm>
+          <a:off x="0" y="0"/>
+          <a:ext cx="0" cy="0"/>
+          <a:chOff x="0" y="0"/>
+          <a:chExt cx="0" cy="0"/>
+        </a:xfrm>
+      </p:grpSpPr>
+      <p:graphicFrame>
+        <p:nvGraphicFramePr>
+          <p:cNvPr id="4" name="Chart 3">
+            <a:extLst>
+              <a:ext uri="{FF2B5EF4-FFF2-40B4-BE49-F238E27FC236}">
                 <a16:creationId xmlns:a16="http://schemas.microsoft.com/office/drawing/2014/main" id="{6E6F1D16-DBB5-8755-F159-451346AD9C2E}"/>
               </a:ext>
             </a:extLst>
@@ -8791,4 +12266,319 @@
     </a:ext>
   </a:extLst>
 </a:theme>
+</file>
+
+<file path=ppt/theme/theme2.xml><?xml version="1.0" encoding="utf-8"?>
+<a:theme xmlns:a="http://schemas.openxmlformats.org/drawingml/2006/main" name="Office Theme">
+  <a:themeElements>
+    <a:clrScheme name="Office">
+      <a:dk1>
+        <a:sysClr val="windowText" lastClr="000000"/>
+      </a:dk1>
+      <a:lt1>
+        <a:sysClr val="window" lastClr="FFFFFF"/>
+      </a:lt1>
+      <a:dk2>
+        <a:srgbClr val="0E2841"/>
+      </a:dk2>
+      <a:lt2>
+        <a:srgbClr val="E8E8E8"/>
+      </a:lt2>
+      <a:accent1>
+        <a:srgbClr val="156082"/>
+      </a:accent1>
+      <a:accent2>
+        <a:srgbClr val="E97132"/>
+      </a:accent2>
+      <a:accent3>
+        <a:srgbClr val="196B24"/>
+      </a:accent3>
+      <a:accent4>
+        <a:srgbClr val="0F9ED5"/>
+      </a:accent4>
+      <a:accent5>
+        <a:srgbClr val="A02B93"/>
+      </a:accent5>
+      <a:accent6>
+        <a:srgbClr val="4EA72E"/>
+      </a:accent6>
+      <a:hlink>
+        <a:srgbClr val="467886"/>
+      </a:hlink>
+      <a:folHlink>
+        <a:srgbClr val="96607D"/>
+      </a:folHlink>
+    </a:clrScheme>
+    <a:fontScheme name="Office">
+      <a:majorFont>
+        <a:latin typeface="Aptos Display" panose="02110004020202020204"/>
+        <a:ea typeface=""/>
+        <a:cs typeface=""/>
+        <a:font script="Jpan" typeface="游ゴシック Light"/>
+        <a:font script="Hang" typeface="맑은 고딕"/>
+        <a:font script="Hans" typeface="等线 Light"/>
+        <a:font script="Hant" typeface="新細明體"/>
+        <a:font script="Arab" typeface="Times New Roman"/>
+        <a:font script="Hebr" typeface="Times New Roman"/>
+        <a:font script="Thai" typeface="Angsana New"/>
+        <a:font script="Ethi" typeface="Nyala"/>
+        <a:font script="Beng" typeface="Vrinda"/>
+        <a:font script="Gujr" typeface="Shruti"/>
+        <a:font script="Khmr" typeface="MoolBoran"/>
+        <a:font script="Knda" typeface="Tunga"/>
+        <a:font script="Guru" typeface="Raavi"/>
+        <a:font script="Cans" typeface="Euphemia"/>
+        <a:font script="Cher" typeface="Plantagenet Cherokee"/>
+        <a:font script="Yiii" typeface="Microsoft Yi Baiti"/>
+        <a:font script="Tibt" typeface="Microsoft Himalaya"/>
+        <a:font script="Thaa" typeface="MV Boli"/>
+        <a:font script="Deva" typeface="Mangal"/>
+        <a:font script="Telu" typeface="Gautami"/>
+        <a:font script="Taml" typeface="Latha"/>
+        <a:font script="Syrc" typeface="Estrangelo Edessa"/>
+        <a:font script="Orya" typeface="Kalinga"/>
+        <a:font script="Mlym" typeface="Kartika"/>
+        <a:font script="Laoo" typeface="DokChampa"/>
+        <a:font script="Sinh" typeface="Iskoola Pota"/>
+        <a:font script="Mong" typeface="Mongolian Baiti"/>
+        <a:font script="Viet" typeface="Times New Roman"/>
+        <a:font script="Uigh" typeface="Microsoft Uighur"/>
+        <a:font script="Geor" typeface="Sylfaen"/>
+        <a:font script="Armn" typeface="Arial"/>
+        <a:font script="Bugi" typeface="Leelawadee UI"/>
+        <a:font script="Bopo" typeface="Microsoft JhengHei"/>
+        <a:font script="Java" typeface="Javanese Text"/>
+        <a:font script="Lisu" typeface="Segoe UI"/>
+        <a:font script="Mymr" typeface="Myanmar Text"/>
+        <a:font script="Nkoo" typeface="Ebrima"/>
+        <a:font script="Olck" typeface="Nirmala UI"/>
+        <a:font script="Osma" typeface="Ebrima"/>
+        <a:font script="Phag" typeface="Phagspa"/>
+        <a:font script="Syrn" typeface="Estrangelo Edessa"/>
+        <a:font script="Syrj" typeface="Estrangelo Edessa"/>
+        <a:font script="Syre" typeface="Estrangelo Edessa"/>
+        <a:font script="Sora" typeface="Nirmala UI"/>
+        <a:font script="Tale" typeface="Microsoft Tai Le"/>
+        <a:font script="Talu" typeface="Microsoft New Tai Lue"/>
+        <a:font script="Tfng" typeface="Ebrima"/>
+      </a:majorFont>
+      <a:minorFont>
+        <a:latin typeface="Aptos" panose="02110004020202020204"/>
+        <a:ea typeface=""/>
+        <a:cs typeface=""/>
+        <a:font script="Jpan" typeface="游ゴシック"/>
+        <a:font script="Hang" typeface="맑은 고딕"/>
+        <a:font script="Hans" typeface="等线"/>
+        <a:font script="Hant" typeface="新細明體"/>
+        <a:font script="Arab" typeface="Arial"/>
+        <a:font script="Hebr" typeface="Arial"/>
+        <a:font script="Thai" typeface="Cordia New"/>
+        <a:font script="Ethi" typeface="Nyala"/>
+        <a:font script="Beng" typeface="Vrinda"/>
+        <a:font script="Gujr" typeface="Shruti"/>
+        <a:font script="Khmr" typeface="DaunPenh"/>
+        <a:font script="Knda" typeface="Tunga"/>
+        <a:font script="Guru" typeface="Raavi"/>
+        <a:font script="Cans" typeface="Euphemia"/>
+        <a:font script="Cher" typeface="Plantagenet Cherokee"/>
+        <a:font script="Yiii" typeface="Microsoft Yi Baiti"/>
+        <a:font script="Tibt" typeface="Microsoft Himalaya"/>
+        <a:font script="Thaa" typeface="MV Boli"/>
+        <a:font script="Deva" typeface="Mangal"/>
+        <a:font script="Telu" typeface="Gautami"/>
+        <a:font script="Taml" typeface="Latha"/>
+        <a:font script="Syrc" typeface="Estrangelo Edessa"/>
+        <a:font script="Orya" typeface="Kalinga"/>
+        <a:font script="Mlym" typeface="Kartika"/>
+        <a:font script="Laoo" typeface="DokChampa"/>
+        <a:font script="Sinh" typeface="Iskoola Pota"/>
+        <a:font script="Mong" typeface="Mongolian Baiti"/>
+        <a:font script="Viet" typeface="Arial"/>
+        <a:font script="Uigh" typeface="Microsoft Uighur"/>
+        <a:font script="Geor" typeface="Sylfaen"/>
+        <a:font script="Armn" typeface="Arial"/>
+        <a:font script="Bugi" typeface="Leelawadee UI"/>
+        <a:font script="Bopo" typeface="Microsoft JhengHei"/>
+        <a:font script="Java" typeface="Javanese Text"/>
+        <a:font script="Lisu" typeface="Segoe UI"/>
+        <a:font script="Mymr" typeface="Myanmar Text"/>
+        <a:font script="Nkoo" typeface="Ebrima"/>
+        <a:font script="Olck" typeface="Nirmala UI"/>
+        <a:font script="Osma" typeface="Ebrima"/>
+        <a:font script="Phag" typeface="Phagspa"/>
+        <a:font script="Syrn" typeface="Estrangelo Edessa"/>
+        <a:font script="Syrj" typeface="Estrangelo Edessa"/>
+        <a:font script="Syre" typeface="Estrangelo Edessa"/>
+        <a:font script="Sora" typeface="Nirmala UI"/>
+        <a:font script="Tale" typeface="Microsoft Tai Le"/>
+        <a:font script="Talu" typeface="Microsoft New Tai Lue"/>
+        <a:font script="Tfng" typeface="Ebrima"/>
+      </a:minorFont>
+    </a:fontScheme>
+    <a:fmtScheme name="Office">
+      <a:fillStyleLst>
+        <a:solidFill>
+          <a:schemeClr val="phClr"/>
+        </a:solidFill>
+        <a:gradFill rotWithShape="1">
+          <a:gsLst>
+            <a:gs pos="0">
+              <a:schemeClr val="phClr">
+                <a:lumMod val="110000"/>
+                <a:satMod val="105000"/>
+                <a:tint val="67000"/>
+              </a:schemeClr>
+            </a:gs>
+            <a:gs pos="50000">
+              <a:schemeClr val="phClr">
+                <a:lumMod val="105000"/>
+                <a:satMod val="103000"/>
+                <a:tint val="73000"/>
+              </a:schemeClr>
+            </a:gs>
+            <a:gs pos="100000">
+              <a:schemeClr val="phClr">
+                <a:lumMod val="105000"/>
+                <a:satMod val="109000"/>
+                <a:tint val="81000"/>
+              </a:schemeClr>
+            </a:gs>
+          </a:gsLst>
+          <a:lin ang="5400000" scaled="0"/>
+        </a:gradFill>
+        <a:gradFill rotWithShape="1">
+          <a:gsLst>
+            <a:gs pos="0">
+              <a:schemeClr val="phClr">
+                <a:satMod val="103000"/>
+                <a:lumMod val="102000"/>
+                <a:tint val="94000"/>
+              </a:schemeClr>
+            </a:gs>
+            <a:gs pos="50000">
+              <a:schemeClr val="phClr">
+                <a:satMod val="110000"/>
+                <a:lumMod val="100000"/>
+                <a:shade val="100000"/>
+              </a:schemeClr>
+            </a:gs>
+            <a:gs pos="100000">
+              <a:schemeClr val="phClr">
+                <a:lumMod val="99000"/>
+                <a:satMod val="120000"/>
+                <a:shade val="78000"/>
+              </a:schemeClr>
+            </a:gs>
+          </a:gsLst>
+          <a:lin ang="5400000" scaled="0"/>
+        </a:gradFill>
+      </a:fillStyleLst>
+      <a:lnStyleLst>
+        <a:ln w="12700" cap="flat" cmpd="sng" algn="ctr">
+          <a:solidFill>
+            <a:schemeClr val="phClr"/>
+          </a:solidFill>
+          <a:prstDash val="solid"/>
+          <a:miter lim="800000"/>
+        </a:ln>
+        <a:ln w="19050" cap="flat" cmpd="sng" algn="ctr">
+          <a:solidFill>
+            <a:schemeClr val="phClr"/>
+          </a:solidFill>
+          <a:prstDash val="solid"/>
+          <a:miter lim="800000"/>
+        </a:ln>
+        <a:ln w="25400" cap="flat" cmpd="sng" algn="ctr">
+          <a:solidFill>
+            <a:schemeClr val="phClr"/>
+          </a:solidFill>
+          <a:prstDash val="solid"/>
+          <a:miter lim="800000"/>
+        </a:ln>
+      </a:lnStyleLst>
+      <a:effectStyleLst>
+        <a:effectStyle>
+          <a:effectLst/>
+        </a:effectStyle>
+        <a:effectStyle>
+          <a:effectLst/>
+        </a:effectStyle>
+        <a:effectStyle>
+          <a:effectLst>
+            <a:outerShdw blurRad="57150" dist="19050" dir="5400000" algn="ctr" rotWithShape="0">
+              <a:srgbClr val="000000">
+                <a:alpha val="63000"/>
+              </a:srgbClr>
+            </a:outerShdw>
+          </a:effectLst>
+        </a:effectStyle>
+      </a:effectStyleLst>
+      <a:bgFillStyleLst>
+        <a:solidFill>
+          <a:schemeClr val="phClr"/>
+        </a:solidFill>
+        <a:solidFill>
+          <a:schemeClr val="phClr">
+            <a:tint val="95000"/>
+            <a:satMod val="170000"/>
+          </a:schemeClr>
+        </a:solidFill>
+        <a:gradFill rotWithShape="1">
+          <a:gsLst>
+            <a:gs pos="0">
+              <a:schemeClr val="phClr">
+                <a:tint val="93000"/>
+                <a:satMod val="150000"/>
+                <a:shade val="98000"/>
+                <a:lumMod val="102000"/>
+              </a:schemeClr>
+            </a:gs>
+            <a:gs pos="50000">
+              <a:schemeClr val="phClr">
+                <a:tint val="98000"/>
+                <a:satMod val="130000"/>
+                <a:shade val="90000"/>
+                <a:lumMod val="103000"/>
+              </a:schemeClr>
+            </a:gs>
+            <a:gs pos="100000">
+              <a:schemeClr val="phClr">
+                <a:shade val="63000"/>
+                <a:satMod val="120000"/>
+              </a:schemeClr>
+            </a:gs>
+          </a:gsLst>
+          <a:lin ang="5400000" scaled="0"/>
+        </a:gradFill>
+      </a:bgFillStyleLst>
+    </a:fmtScheme>
+  </a:themeElements>
+  <a:objectDefaults>
+    <a:lnDef>
+      <a:spPr/>
+      <a:bodyPr/>
+      <a:lstStyle/>
+      <a:style>
+        <a:lnRef idx="2">
+          <a:schemeClr val="accent1"/>
+        </a:lnRef>
+        <a:fillRef idx="0">
+          <a:schemeClr val="accent1"/>
+        </a:fillRef>
+        <a:effectRef idx="1">
+          <a:schemeClr val="accent1"/>
+        </a:effectRef>
+        <a:fontRef idx="minor">
+          <a:schemeClr val="tx1"/>
+        </a:fontRef>
+      </a:style>
+    </a:lnDef>
+  </a:objectDefaults>
+  <a:extraClrSchemeLst/>
+  <a:extLst>
+    <a:ext uri="{05A4C25C-085E-4340-85A3-A5531E510DB2}">
+      <thm15:themeFamily xmlns:thm15="http://schemas.microsoft.com/office/thememl/2012/main" name="Office Theme" id="{2E142A2C-CD16-42D6-873A-C26D2A0506FA}" vid="{1BDDFF52-6CD6-40A5-AB3C-68EB2F1E4D0A}"/>
+    </a:ext>
+  </a:extLst>
+</a:theme>
 </file>